--- a/High School/Modern Electricity and Electronics/Unit 4 - Series Circuits/Section 1 - Series Circuits/Assets/Unit 4 - Section 1 - Series Circuits.pptx
+++ b/High School/Modern Electricity and Electronics/Unit 4 - Series Circuits/Section 1 - Series Circuits/Assets/Unit 4 - Section 1 - Series Circuits.pptx
@@ -5,10 +5,10 @@
     <p:sldMasterId id="2147483705" r:id="rId1"/>
   </p:sldMasterIdLst>
   <p:notesMasterIdLst>
-    <p:notesMasterId r:id="rId32"/>
+    <p:notesMasterId r:id="rId29"/>
   </p:notesMasterIdLst>
   <p:handoutMasterIdLst>
-    <p:handoutMasterId r:id="rId33"/>
+    <p:handoutMasterId r:id="rId30"/>
   </p:handoutMasterIdLst>
   <p:sldIdLst>
     <p:sldId id="268" r:id="rId2"/>
@@ -22,25 +22,22 @@
     <p:sldId id="285" r:id="rId10"/>
     <p:sldId id="278" r:id="rId11"/>
     <p:sldId id="279" r:id="rId12"/>
-    <p:sldId id="286" r:id="rId13"/>
-    <p:sldId id="287" r:id="rId14"/>
-    <p:sldId id="288" r:id="rId15"/>
-    <p:sldId id="289" r:id="rId16"/>
-    <p:sldId id="280" r:id="rId17"/>
-    <p:sldId id="281" r:id="rId18"/>
-    <p:sldId id="282" r:id="rId19"/>
-    <p:sldId id="290" r:id="rId20"/>
-    <p:sldId id="291" r:id="rId21"/>
-    <p:sldId id="292" r:id="rId22"/>
-    <p:sldId id="293" r:id="rId23"/>
-    <p:sldId id="294" r:id="rId24"/>
-    <p:sldId id="300" r:id="rId25"/>
-    <p:sldId id="295" r:id="rId26"/>
-    <p:sldId id="298" r:id="rId27"/>
-    <p:sldId id="299" r:id="rId28"/>
-    <p:sldId id="301" r:id="rId29"/>
-    <p:sldId id="303" r:id="rId30"/>
-    <p:sldId id="302" r:id="rId31"/>
+    <p:sldId id="288" r:id="rId13"/>
+    <p:sldId id="280" r:id="rId14"/>
+    <p:sldId id="281" r:id="rId15"/>
+    <p:sldId id="282" r:id="rId16"/>
+    <p:sldId id="290" r:id="rId17"/>
+    <p:sldId id="291" r:id="rId18"/>
+    <p:sldId id="292" r:id="rId19"/>
+    <p:sldId id="293" r:id="rId20"/>
+    <p:sldId id="294" r:id="rId21"/>
+    <p:sldId id="300" r:id="rId22"/>
+    <p:sldId id="295" r:id="rId23"/>
+    <p:sldId id="298" r:id="rId24"/>
+    <p:sldId id="299" r:id="rId25"/>
+    <p:sldId id="301" r:id="rId26"/>
+    <p:sldId id="303" r:id="rId27"/>
+    <p:sldId id="302" r:id="rId28"/>
   </p:sldIdLst>
   <p:sldSz cx="12192000" cy="6858000"/>
   <p:notesSz cx="6858000" cy="9144000"/>
@@ -243,7 +240,7 @@
           <a:p>
             <a:fld id="{6AC4FB8F-ED15-48AB-97BD-17129D4E699D}" type="datetimeFigureOut">
               <a:rPr lang="en-US" smtClean="0"/>
-              <a:t>11/8/2018</a:t>
+              <a:t>10/31/19</a:t>
             </a:fld>
             <a:endParaRPr lang="en-US" dirty="0"/>
           </a:p>
@@ -408,7 +405,7 @@
           <a:p>
             <a:fld id="{BBC9D437-CD83-4825-AD0D-5E7B341BC79B}" type="datetimeFigureOut">
               <a:rPr lang="en-US" smtClean="0"/>
-              <a:t>11/8/2018</a:t>
+              <a:t>10/31/19</a:t>
             </a:fld>
             <a:endParaRPr lang="en-US" dirty="0"/>
           </a:p>
@@ -901,7 +898,7 @@
           <a:p>
             <a:fld id="{85AB7CBB-843F-464A-A764-71D6ADC27CFA}" type="datetime1">
               <a:rPr lang="en-US" smtClean="0"/>
-              <a:t>11/8/2018</a:t>
+              <a:t>10/31/19</a:t>
             </a:fld>
             <a:endParaRPr lang="en-US" dirty="0"/>
           </a:p>
@@ -1126,7 +1123,7 @@
           <a:p>
             <a:fld id="{CBEFC03D-3A1F-4813-9337-02411FCC3A9A}" type="datetime1">
               <a:rPr lang="en-US" smtClean="0"/>
-              <a:t>11/8/2018</a:t>
+              <a:t>10/31/19</a:t>
             </a:fld>
             <a:endParaRPr lang="en-US" dirty="0"/>
           </a:p>
@@ -1398,7 +1395,7 @@
           <a:p>
             <a:fld id="{3D638F79-DFA0-4C26-9553-23A017B69AB6}" type="datetime1">
               <a:rPr lang="en-US" smtClean="0"/>
-              <a:t>11/8/2018</a:t>
+              <a:t>10/31/19</a:t>
             </a:fld>
             <a:endParaRPr lang="en-US" dirty="0"/>
           </a:p>
@@ -1509,7 +1506,7 @@
           <a:p>
             <a:fld id="{AA615CA6-EC4D-4728-8AA6-534BE7E9B67C}" type="datetime1">
               <a:rPr lang="en-US" smtClean="0"/>
-              <a:t>11/8/2018</a:t>
+              <a:t>10/31/19</a:t>
             </a:fld>
             <a:endParaRPr lang="en-US" dirty="0"/>
           </a:p>
@@ -1694,7 +1691,7 @@
           <a:p>
             <a:fld id="{A70B34E7-E1D9-4FBF-A1A0-4009669A00BF}" type="datetime1">
               <a:rPr lang="en-US" smtClean="0"/>
-              <a:t>11/8/2018</a:t>
+              <a:t>10/31/19</a:t>
             </a:fld>
             <a:endParaRPr lang="en-US" dirty="0"/>
           </a:p>
@@ -2054,7 +2051,7 @@
           <a:p>
             <a:fld id="{20EBB0C4-6273-4C6E-B9BD-2EDC30F1CD52}" type="datetimeFigureOut">
               <a:rPr lang="en-US" smtClean="0"/>
-              <a:t>11/8/2018</a:t>
+              <a:t>10/31/19</a:t>
             </a:fld>
             <a:endParaRPr lang="en-US" dirty="0"/>
           </a:p>
@@ -2341,7 +2338,7 @@
           <a:p>
             <a:fld id="{7579E8B6-2F47-420B-83EA-EB2285D13EC9}" type="datetime1">
               <a:rPr lang="en-US" smtClean="0"/>
-              <a:t>11/8/2018</a:t>
+              <a:t>10/31/19</a:t>
             </a:fld>
             <a:endParaRPr lang="en-US" dirty="0"/>
           </a:p>
@@ -2736,7 +2733,7 @@
           <a:p>
             <a:fld id="{2304803D-B10E-4B90-8456-A0E05393E233}" type="datetime1">
               <a:rPr lang="en-US" smtClean="0"/>
-              <a:t>11/8/2018</a:t>
+              <a:t>10/31/19</a:t>
             </a:fld>
             <a:endParaRPr lang="en-US" dirty="0"/>
           </a:p>
@@ -2870,7 +2867,7 @@
           <a:p>
             <a:fld id="{CCE1E62F-6CCE-4064-96C2-2084AF883904}" type="datetime1">
               <a:rPr lang="en-US" smtClean="0"/>
-              <a:t>11/8/2018</a:t>
+              <a:t>10/31/19</a:t>
             </a:fld>
             <a:endParaRPr lang="en-US" dirty="0"/>
           </a:p>
@@ -3057,7 +3054,7 @@
           <a:p>
             <a:fld id="{AA615CA6-EC4D-4728-8AA6-534BE7E9B67C}" type="datetime1">
               <a:rPr lang="en-US" smtClean="0"/>
-              <a:t>11/8/2018</a:t>
+              <a:t>10/31/19</a:t>
             </a:fld>
             <a:endParaRPr lang="en-US" dirty="0"/>
           </a:p>
@@ -3427,7 +3424,7 @@
           <a:p>
             <a:fld id="{A6139942-0A2E-443A-842F-D6DE74360370}" type="datetime1">
               <a:rPr lang="en-US" smtClean="0"/>
-              <a:t>11/8/2018</a:t>
+              <a:t>10/31/19</a:t>
             </a:fld>
             <a:endParaRPr lang="en-US" dirty="0"/>
           </a:p>
@@ -3820,7 +3817,7 @@
           <a:p>
             <a:fld id="{C9CAD897-D46E-4AD2-BD9B-49DD3E640873}" type="datetimeFigureOut">
               <a:rPr lang="en-US" smtClean="0"/>
-              <a:t>11/8/2018</a:t>
+              <a:t>10/31/19</a:t>
             </a:fld>
             <a:endParaRPr lang="en-US" dirty="0"/>
           </a:p>
@@ -3873,7 +3870,7 @@
           <p:cNvPr id="10" name="Rectangle 9">
             <a:extLst>
               <a:ext uri="{FF2B5EF4-FFF2-40B4-BE49-F238E27FC236}">
-                <a16:creationId xmlns:a16="http://schemas.microsoft.com/office/drawing/2014/main" xmlns="" id="{3DD56F55-9FC0-474B-ADC4-A77A47F498E4}"/>
+                <a16:creationId xmlns:a16="http://schemas.microsoft.com/office/drawing/2014/main" id="{3DD56F55-9FC0-474B-ADC4-A77A47F498E4}"/>
               </a:ext>
             </a:extLst>
           </p:cNvPr>
@@ -4171,7 +4168,7 @@
           <a:p>
             <a:fld id="{3F138946-C5C1-4A11-BA69-F12F43F8A94B}" type="datetime1">
               <a:rPr lang="en-US" smtClean="0"/>
-              <a:t>11/8/2018</a:t>
+              <a:t>10/31/19</a:t>
             </a:fld>
             <a:endParaRPr lang="en-US" dirty="0"/>
           </a:p>
@@ -4771,35 +4768,17 @@
           <a:p>
             <a:r>
               <a:rPr lang="en-US" dirty="0"/>
-              <a:t>Unit </a:t>
-            </a:r>
-            <a:r>
-              <a:rPr lang="en-US" dirty="0" smtClean="0"/>
-              <a:t>4 </a:t>
-            </a:r>
+              <a:t>Unit 4 – Series Circuits</a:t>
+            </a:r>
+          </a:p>
+          <a:p>
+            <a:endParaRPr lang="en-US" dirty="0"/>
+          </a:p>
+          <a:p>
             <a:r>
               <a:rPr lang="en-US" dirty="0"/>
-              <a:t>– </a:t>
-            </a:r>
-            <a:r>
-              <a:rPr lang="en-US" dirty="0" smtClean="0"/>
-              <a:t>Series Circuits</a:t>
-            </a:r>
-            <a:endParaRPr lang="en-US" dirty="0"/>
-          </a:p>
-          <a:p>
-            <a:endParaRPr lang="en-US" dirty="0"/>
-          </a:p>
-          <a:p>
-            <a:r>
-              <a:rPr lang="en-US" dirty="0"/>
-              <a:t>Section 1 – </a:t>
-            </a:r>
-            <a:r>
-              <a:rPr lang="en-US" dirty="0" smtClean="0"/>
-              <a:t>Series Circuits</a:t>
-            </a:r>
-            <a:endParaRPr lang="en-US" dirty="0"/>
+              <a:t>Section 1 – Series Circuits</a:t>
+            </a:r>
           </a:p>
         </p:txBody>
       </p:sp>
@@ -4808,7 +4787,7 @@
           <p:cNvPr id="4" name="Footer Placeholder 3">
             <a:extLst>
               <a:ext uri="{FF2B5EF4-FFF2-40B4-BE49-F238E27FC236}">
-                <a16:creationId xmlns:a16="http://schemas.microsoft.com/office/drawing/2014/main" xmlns="" id="{1BD89EEB-0D82-48BB-B45A-39C4807CF951}"/>
+                <a16:creationId xmlns:a16="http://schemas.microsoft.com/office/drawing/2014/main" id="{1BD89EEB-0D82-48BB-B45A-39C4807CF951}"/>
               </a:ext>
             </a:extLst>
           </p:cNvPr>
@@ -4889,10 +4868,9 @@
           <a:lstStyle/>
           <a:p>
             <a:r>
-              <a:rPr lang="en-US" dirty="0" smtClean="0"/>
+              <a:rPr lang="en-US" dirty="0"/>
               <a:t>Open and Closed Loops</a:t>
             </a:r>
-            <a:endParaRPr lang="en-US" dirty="0"/>
           </a:p>
         </p:txBody>
       </p:sp>
@@ -4916,7 +4894,7 @@
               <a:buChar char="§"/>
             </a:pPr>
             <a:r>
-              <a:rPr lang="en-US" dirty="0" smtClean="0"/>
+              <a:rPr lang="en-US" dirty="0"/>
               <a:t> Closed Loop is a circuit current can flow</a:t>
             </a:r>
           </a:p>
@@ -4927,13 +4905,8 @@
             </a:pPr>
             <a:r>
               <a:rPr lang="en-US" dirty="0"/>
-              <a:t> </a:t>
-            </a:r>
-            <a:r>
-              <a:rPr lang="en-US" dirty="0" smtClean="0"/>
-              <a:t>Open loop mean the circuit is incomplete</a:t>
-            </a:r>
-            <a:endParaRPr lang="en-US" dirty="0"/>
+              <a:t> Open loop mean the circuit is incomplete</a:t>
+            </a:r>
           </a:p>
         </p:txBody>
       </p:sp>
@@ -4953,7 +4926,7 @@
           <a:lstStyle/>
           <a:p>
             <a:r>
-              <a:rPr lang="en-US" smtClean="0"/>
+              <a:rPr lang="en-US"/>
               <a:t>Add a footer</a:t>
             </a:r>
             <a:endParaRPr lang="en-US" dirty="0"/>
@@ -5023,13 +4996,6 @@
       </p:transition>
     </mc:Fallback>
   </mc:AlternateContent>
-  <p:timing>
-    <p:tnLst>
-      <p:par>
-        <p:cTn id="1" dur="indefinite" restart="never" nodeType="tmRoot"/>
-      </p:par>
-    </p:tnLst>
-  </p:timing>
 </p:sld>
 </file>
 
@@ -5066,10 +5032,9 @@
           <a:lstStyle/>
           <a:p>
             <a:r>
-              <a:rPr lang="en-US" dirty="0" smtClean="0"/>
+              <a:rPr lang="en-US" dirty="0"/>
               <a:t>Nodes and Junctions</a:t>
             </a:r>
-            <a:endParaRPr lang="en-US" dirty="0"/>
           </a:p>
         </p:txBody>
       </p:sp>
@@ -5093,7 +5058,7 @@
               <a:buChar char="§"/>
             </a:pPr>
             <a:r>
-              <a:rPr lang="en-US" dirty="0" smtClean="0"/>
+              <a:rPr lang="en-US" dirty="0"/>
               <a:t> A node is a terminal, connection point between two or more parts of a circuit</a:t>
             </a:r>
           </a:p>
@@ -5104,11 +5069,7 @@
             </a:pPr>
             <a:r>
               <a:rPr lang="en-US" dirty="0"/>
-              <a:t> </a:t>
-            </a:r>
-            <a:r>
-              <a:rPr lang="en-US" dirty="0" smtClean="0"/>
-              <a:t>Usually identified by LARGE DOTS</a:t>
+              <a:t> Usually identified by LARGE DOTS</a:t>
             </a:r>
           </a:p>
           <a:p>
@@ -5120,7 +5081,6 @@
               <a:rPr lang="en-US" dirty="0"/>
               <a:t> Nodes give us a way to say that “wires crossing this junction are connected”</a:t>
             </a:r>
-            <a:endParaRPr lang="en-US" dirty="0" smtClean="0"/>
           </a:p>
           <a:p>
             <a:pPr>
@@ -5129,11 +5089,7 @@
             </a:pPr>
             <a:r>
               <a:rPr lang="en-US" dirty="0"/>
-              <a:t> </a:t>
-            </a:r>
-            <a:r>
-              <a:rPr lang="en-US" dirty="0" smtClean="0"/>
-              <a:t>When three or more circuit elements are connected to one point, a junction is formed</a:t>
+              <a:t> When three or more circuit elements are connected to one point, a junction is formed</a:t>
             </a:r>
           </a:p>
           <a:p>
@@ -5142,10 +5098,9 @@
               <a:buChar char="§"/>
             </a:pPr>
             <a:r>
-              <a:rPr lang="en-US" dirty="0" smtClean="0"/>
+              <a:rPr lang="en-US" dirty="0"/>
               <a:t> Junctions are great testing points for measuring voltage and current</a:t>
             </a:r>
-            <a:endParaRPr lang="en-US" dirty="0"/>
           </a:p>
         </p:txBody>
       </p:sp>
@@ -5165,7 +5120,7 @@
           <a:lstStyle/>
           <a:p>
             <a:r>
-              <a:rPr lang="en-US" smtClean="0"/>
+              <a:rPr lang="en-US"/>
               <a:t>Add a footer</a:t>
             </a:r>
             <a:endParaRPr lang="en-US" dirty="0"/>
@@ -5235,13 +5190,6 @@
       </p:transition>
     </mc:Fallback>
   </mc:AlternateContent>
-  <p:timing>
-    <p:tnLst>
-      <p:par>
-        <p:cTn id="1" dur="indefinite" restart="never" nodeType="tmRoot"/>
-      </p:par>
-    </p:tnLst>
-  </p:timing>
 </p:sld>
 </file>
 
@@ -5278,10 +5226,65 @@
           <a:lstStyle/>
           <a:p>
             <a:r>
-              <a:rPr lang="en-US" dirty="0" smtClean="0"/>
-              <a:t>Example 1</a:t>
-            </a:r>
-            <a:endParaRPr lang="en-US" dirty="0"/>
+              <a:rPr lang="en-US" dirty="0"/>
+              <a:t>Polarity</a:t>
+            </a:r>
+          </a:p>
+        </p:txBody>
+      </p:sp>
+      <p:sp>
+        <p:nvSpPr>
+          <p:cNvPr id="3" name="Content Placeholder 2"/>
+          <p:cNvSpPr>
+            <a:spLocks noGrp="1"/>
+          </p:cNvSpPr>
+          <p:nvPr>
+            <p:ph idx="1"/>
+          </p:nvPr>
+        </p:nvSpPr>
+        <p:spPr/>
+        <p:txBody>
+          <a:bodyPr/>
+          <a:lstStyle/>
+          <a:p>
+            <a:pPr>
+              <a:buFont typeface="Wingdings" panose="05000000000000000000" pitchFamily="2" charset="2"/>
+              <a:buChar char="§"/>
+            </a:pPr>
+            <a:r>
+              <a:rPr lang="en-US" dirty="0"/>
+              <a:t> Electrical charge of an energy source</a:t>
+            </a:r>
+          </a:p>
+          <a:p>
+            <a:pPr>
+              <a:buFont typeface="Wingdings" panose="05000000000000000000" pitchFamily="2" charset="2"/>
+              <a:buChar char="§"/>
+            </a:pPr>
+            <a:r>
+              <a:rPr lang="en-US" dirty="0"/>
+              <a:t> Typically indicated on diagrams by common symbols ( + ) or ( - )</a:t>
+            </a:r>
+          </a:p>
+          <a:p>
+            <a:pPr>
+              <a:buFont typeface="Wingdings" panose="05000000000000000000" pitchFamily="2" charset="2"/>
+              <a:buChar char="§"/>
+            </a:pPr>
+            <a:r>
+              <a:rPr lang="en-US" dirty="0"/>
+              <a:t> A negative polarity is where current enters a component</a:t>
+            </a:r>
+          </a:p>
+          <a:p>
+            <a:pPr>
+              <a:buFont typeface="Wingdings" panose="05000000000000000000" pitchFamily="2" charset="2"/>
+              <a:buChar char="§"/>
+            </a:pPr>
+            <a:r>
+              <a:rPr lang="en-US" dirty="0"/>
+              <a:t> A positive polarity is where current leaves a component</a:t>
+            </a:r>
           </a:p>
         </p:txBody>
       </p:sp>
@@ -5301,58 +5304,17 @@
           <a:lstStyle/>
           <a:p>
             <a:r>
-              <a:rPr lang="en-US" smtClean="0"/>
+              <a:rPr lang="en-US"/>
               <a:t>Add a footer</a:t>
             </a:r>
             <a:endParaRPr lang="en-US" dirty="0"/>
           </a:p>
         </p:txBody>
       </p:sp>
-      <p:pic>
-        <p:nvPicPr>
-          <p:cNvPr id="4098" name="Picture 2" descr="https://qph.fs.quoracdn.net/main-qimg-4c6136f914e264db4a87abfa655a574d-c"/>
-          <p:cNvPicPr>
-            <a:picLocks noChangeAspect="1" noChangeArrowheads="1"/>
-          </p:cNvPicPr>
-          <p:nvPr/>
-        </p:nvPicPr>
-        <p:blipFill>
-          <a:blip r:embed="rId2">
-            <a:extLst>
-              <a:ext uri="{28A0092B-C50C-407E-A947-70E740481C1C}">
-                <a14:useLocalDpi xmlns:a14="http://schemas.microsoft.com/office/drawing/2010/main" val="0"/>
-              </a:ext>
-            </a:extLst>
-          </a:blip>
-          <a:srcRect/>
-          <a:stretch>
-            <a:fillRect/>
-          </a:stretch>
-        </p:blipFill>
-        <p:spPr bwMode="auto">
-          <a:xfrm>
-            <a:off x="3033762" y="1883762"/>
-            <a:ext cx="6185436" cy="4226248"/>
-          </a:xfrm>
-          <a:prstGeom prst="rect">
-            <a:avLst/>
-          </a:prstGeom>
-          <a:noFill/>
-          <a:extLst>
-            <a:ext uri="{909E8E84-426E-40DD-AFC4-6F175D3DCCD1}">
-              <a14:hiddenFill xmlns:a14="http://schemas.microsoft.com/office/drawing/2010/main">
-                <a:solidFill>
-                  <a:srgbClr val="FFFFFF"/>
-                </a:solidFill>
-              </a14:hiddenFill>
-            </a:ext>
-          </a:extLst>
-        </p:spPr>
-      </p:pic>
     </p:spTree>
     <p:extLst>
       <p:ext uri="{BB962C8B-B14F-4D97-AF65-F5344CB8AC3E}">
-        <p14:creationId xmlns:p14="http://schemas.microsoft.com/office/powerpoint/2010/main" val="683511257"/>
+        <p14:creationId xmlns:p14="http://schemas.microsoft.com/office/powerpoint/2010/main" val="2072606745"/>
       </p:ext>
     </p:extLst>
   </p:cSld>
@@ -5407,10 +5369,105 @@
           <a:lstStyle/>
           <a:p>
             <a:r>
-              <a:rPr lang="en-US" dirty="0" smtClean="0"/>
-              <a:t>Example 2</a:t>
-            </a:r>
-            <a:endParaRPr lang="en-US" dirty="0"/>
+              <a:rPr lang="en-US" dirty="0"/>
+              <a:t>Series Resistance</a:t>
+            </a:r>
+          </a:p>
+        </p:txBody>
+      </p:sp>
+      <p:sp>
+        <p:nvSpPr>
+          <p:cNvPr id="3" name="Content Placeholder 2"/>
+          <p:cNvSpPr>
+            <a:spLocks noGrp="1"/>
+          </p:cNvSpPr>
+          <p:nvPr>
+            <p:ph idx="1"/>
+          </p:nvPr>
+        </p:nvSpPr>
+        <p:spPr/>
+        <p:txBody>
+          <a:bodyPr/>
+          <a:lstStyle/>
+          <a:p>
+            <a:pPr>
+              <a:buFont typeface="Wingdings" panose="05000000000000000000" pitchFamily="2" charset="2"/>
+              <a:buChar char="§"/>
+            </a:pPr>
+            <a:r>
+              <a:rPr lang="en-US" dirty="0"/>
+              <a:t> Because a series circuit has only one path of flow, it must pass through each resistor in a circuit</a:t>
+            </a:r>
+          </a:p>
+          <a:p>
+            <a:pPr>
+              <a:buFont typeface="Wingdings" panose="05000000000000000000" pitchFamily="2" charset="2"/>
+              <a:buChar char="§"/>
+            </a:pPr>
+            <a:r>
+              <a:rPr lang="en-US" dirty="0"/>
+              <a:t> The total resistance then is the sum of all the resistors in the series circuit</a:t>
+            </a:r>
+          </a:p>
+          <a:p>
+            <a:pPr>
+              <a:buFont typeface="Wingdings" panose="05000000000000000000" pitchFamily="2" charset="2"/>
+              <a:buChar char="§"/>
+            </a:pPr>
+            <a:endParaRPr lang="en-US" dirty="0"/>
+          </a:p>
+          <a:p>
+            <a:pPr marL="0" indent="0" algn="ctr">
+              <a:buNone/>
+            </a:pPr>
+            <a:r>
+              <a:rPr lang="en-US" sz="8000" b="1" dirty="0" err="1"/>
+              <a:t>R</a:t>
+            </a:r>
+            <a:r>
+              <a:rPr lang="en-US" sz="8000" b="1" baseline="-25000" dirty="0" err="1"/>
+              <a:t>t</a:t>
+            </a:r>
+            <a:r>
+              <a:rPr lang="en-US" sz="8000" b="1" baseline="-25000" dirty="0"/>
+              <a:t> = </a:t>
+            </a:r>
+            <a:r>
+              <a:rPr lang="en-US" sz="8000" b="1" dirty="0"/>
+              <a:t>R</a:t>
+            </a:r>
+            <a:r>
+              <a:rPr lang="en-US" sz="8000" b="1" baseline="-25000" dirty="0"/>
+              <a:t>1</a:t>
+            </a:r>
+            <a:r>
+              <a:rPr lang="en-US" sz="8000" b="1" dirty="0"/>
+              <a:t> + R</a:t>
+            </a:r>
+            <a:r>
+              <a:rPr lang="en-US" sz="8000" b="1" baseline="-25000" dirty="0"/>
+              <a:t>2</a:t>
+            </a:r>
+            <a:r>
+              <a:rPr lang="en-US" sz="8000" b="1" dirty="0"/>
+              <a:t> + R</a:t>
+            </a:r>
+            <a:r>
+              <a:rPr lang="en-US" sz="8000" b="1" baseline="-25000" dirty="0"/>
+              <a:t>3</a:t>
+            </a:r>
+            <a:r>
+              <a:rPr lang="en-US" sz="8000" b="1" dirty="0"/>
+              <a:t> + R</a:t>
+            </a:r>
+            <a:r>
+              <a:rPr lang="en-US" sz="8000" b="1" baseline="-25000" dirty="0"/>
+              <a:t>4</a:t>
+            </a:r>
+            <a:r>
+              <a:rPr lang="en-US" sz="8000" b="1" dirty="0"/>
+              <a:t> …..</a:t>
+            </a:r>
           </a:p>
         </p:txBody>
       </p:sp>
@@ -5430,58 +5487,17 @@
           <a:lstStyle/>
           <a:p>
             <a:r>
-              <a:rPr lang="en-US" smtClean="0"/>
+              <a:rPr lang="en-US"/>
               <a:t>Add a footer</a:t>
             </a:r>
             <a:endParaRPr lang="en-US" dirty="0"/>
           </a:p>
         </p:txBody>
       </p:sp>
-      <p:pic>
-        <p:nvPicPr>
-          <p:cNvPr id="5122" name="Picture 2" descr="Image result for nodes and junctions"/>
-          <p:cNvPicPr>
-            <a:picLocks noChangeAspect="1" noChangeArrowheads="1"/>
-          </p:cNvPicPr>
-          <p:nvPr/>
-        </p:nvPicPr>
-        <p:blipFill>
-          <a:blip r:embed="rId2">
-            <a:extLst>
-              <a:ext uri="{28A0092B-C50C-407E-A947-70E740481C1C}">
-                <a14:useLocalDpi xmlns:a14="http://schemas.microsoft.com/office/drawing/2010/main" val="0"/>
-              </a:ext>
-            </a:extLst>
-          </a:blip>
-          <a:srcRect/>
-          <a:stretch>
-            <a:fillRect/>
-          </a:stretch>
-        </p:blipFill>
-        <p:spPr bwMode="auto">
-          <a:xfrm>
-            <a:off x="3410970" y="1876301"/>
-            <a:ext cx="5397773" cy="4329664"/>
-          </a:xfrm>
-          <a:prstGeom prst="rect">
-            <a:avLst/>
-          </a:prstGeom>
-          <a:noFill/>
-          <a:extLst>
-            <a:ext uri="{909E8E84-426E-40DD-AFC4-6F175D3DCCD1}">
-              <a14:hiddenFill xmlns:a14="http://schemas.microsoft.com/office/drawing/2010/main">
-                <a:solidFill>
-                  <a:srgbClr val="FFFFFF"/>
-                </a:solidFill>
-              </a14:hiddenFill>
-            </a:ext>
-          </a:extLst>
-        </p:spPr>
-      </p:pic>
     </p:spTree>
     <p:extLst>
       <p:ext uri="{BB962C8B-B14F-4D97-AF65-F5344CB8AC3E}">
-        <p14:creationId xmlns:p14="http://schemas.microsoft.com/office/powerpoint/2010/main" val="2659743639"/>
+        <p14:creationId xmlns:p14="http://schemas.microsoft.com/office/powerpoint/2010/main" val="1975857243"/>
       </p:ext>
     </p:extLst>
   </p:cSld>
@@ -5536,10 +5552,9 @@
           <a:lstStyle/>
           <a:p>
             <a:r>
-              <a:rPr lang="en-US" dirty="0" smtClean="0"/>
-              <a:t>Polarity</a:t>
-            </a:r>
-            <a:endParaRPr lang="en-US" dirty="0"/>
+              <a:rPr lang="en-US" dirty="0"/>
+              <a:t>Problem 1</a:t>
+            </a:r>
           </a:p>
         </p:txBody>
       </p:sp>
@@ -5563,48 +5578,163 @@
               <a:buChar char="§"/>
             </a:pPr>
             <a:r>
-              <a:rPr lang="en-US" dirty="0" smtClean="0"/>
-              <a:t> Electrical charge of an energy source</a:t>
-            </a:r>
-          </a:p>
-          <a:p>
-            <a:pPr>
+              <a:rPr lang="en-US" dirty="0"/>
+              <a:t> Find the total resistance of the three resistors connected in series.</a:t>
+            </a:r>
+          </a:p>
+          <a:p>
+            <a:pPr lvl="1">
               <a:buFont typeface="Wingdings" panose="05000000000000000000" pitchFamily="2" charset="2"/>
               <a:buChar char="§"/>
             </a:pPr>
             <a:r>
-              <a:rPr lang="en-US" dirty="0" smtClean="0"/>
-              <a:t> Typically indicated on diagrams by common symbols ( + ) or ( - )</a:t>
-            </a:r>
-          </a:p>
-          <a:p>
-            <a:pPr>
+              <a:rPr lang="en-US" dirty="0"/>
+              <a:t>R1 = 5 </a:t>
+            </a:r>
+            <a:r>
+              <a:rPr lang="el-GR" dirty="0"/>
+              <a:t>Ω</a:t>
+            </a:r>
+            <a:endParaRPr lang="en-US" dirty="0"/>
+          </a:p>
+          <a:p>
+            <a:pPr lvl="1">
               <a:buFont typeface="Wingdings" panose="05000000000000000000" pitchFamily="2" charset="2"/>
               <a:buChar char="§"/>
             </a:pPr>
             <a:r>
               <a:rPr lang="en-US" dirty="0"/>
-              <a:t> </a:t>
-            </a:r>
-            <a:r>
-              <a:rPr lang="en-US" dirty="0" smtClean="0"/>
-              <a:t>A negative polarity is where current enters a component</a:t>
-            </a:r>
-          </a:p>
-          <a:p>
-            <a:pPr>
+              <a:t>R2 = 35 </a:t>
+            </a:r>
+            <a:r>
+              <a:rPr lang="el-GR" dirty="0"/>
+              <a:t>Ω</a:t>
+            </a:r>
+            <a:endParaRPr lang="en-US" dirty="0"/>
+          </a:p>
+          <a:p>
+            <a:pPr lvl="1">
               <a:buFont typeface="Wingdings" panose="05000000000000000000" pitchFamily="2" charset="2"/>
               <a:buChar char="§"/>
             </a:pPr>
             <a:r>
               <a:rPr lang="en-US" dirty="0"/>
-              <a:t> </a:t>
-            </a:r>
-            <a:r>
-              <a:rPr lang="en-US" dirty="0" smtClean="0"/>
-              <a:t>A positive polarity is where current leaves a component</a:t>
-            </a:r>
-            <a:endParaRPr lang="en-US" dirty="0"/>
+              <a:t>R3 = 95 </a:t>
+            </a:r>
+            <a:r>
+              <a:rPr lang="el-GR" dirty="0"/>
+              <a:t>Ω</a:t>
+            </a:r>
+            <a:endParaRPr lang="en-US" dirty="0"/>
+          </a:p>
+          <a:p>
+            <a:pPr marL="201168" lvl="1" indent="0" algn="ctr">
+              <a:buNone/>
+            </a:pPr>
+            <a:r>
+              <a:rPr lang="en-US" sz="4000" b="1" dirty="0" err="1"/>
+              <a:t>R</a:t>
+            </a:r>
+            <a:r>
+              <a:rPr lang="en-US" sz="4000" b="1" baseline="-25000" dirty="0" err="1"/>
+              <a:t>t</a:t>
+            </a:r>
+            <a:r>
+              <a:rPr lang="en-US" sz="4000" b="1" baseline="-25000" dirty="0"/>
+              <a:t> = </a:t>
+            </a:r>
+            <a:r>
+              <a:rPr lang="en-US" sz="4000" b="1" dirty="0"/>
+              <a:t>R</a:t>
+            </a:r>
+            <a:r>
+              <a:rPr lang="en-US" sz="4000" b="1" baseline="-25000" dirty="0"/>
+              <a:t>1</a:t>
+            </a:r>
+            <a:r>
+              <a:rPr lang="en-US" sz="4000" b="1" dirty="0"/>
+              <a:t> + R</a:t>
+            </a:r>
+            <a:r>
+              <a:rPr lang="en-US" sz="4000" b="1" baseline="-25000" dirty="0"/>
+              <a:t>2</a:t>
+            </a:r>
+            <a:r>
+              <a:rPr lang="en-US" sz="4000" b="1" dirty="0"/>
+              <a:t> + R</a:t>
+            </a:r>
+            <a:r>
+              <a:rPr lang="en-US" sz="4000" b="1" baseline="-25000" dirty="0"/>
+              <a:t>3</a:t>
+            </a:r>
+          </a:p>
+          <a:p>
+            <a:pPr marL="201168" lvl="1" indent="0" algn="ctr">
+              <a:buNone/>
+            </a:pPr>
+            <a:r>
+              <a:rPr lang="en-US" sz="2800" dirty="0" err="1"/>
+              <a:t>R</a:t>
+            </a:r>
+            <a:r>
+              <a:rPr lang="en-US" sz="2800" baseline="-25000" dirty="0" err="1"/>
+              <a:t>t</a:t>
+            </a:r>
+            <a:r>
+              <a:rPr lang="en-US" sz="2800" b="1" baseline="-25000" dirty="0"/>
+              <a:t> = </a:t>
+            </a:r>
+            <a:r>
+              <a:rPr lang="en-US" sz="2800" dirty="0"/>
+              <a:t>5 </a:t>
+            </a:r>
+            <a:r>
+              <a:rPr lang="el-GR" sz="2800" dirty="0"/>
+              <a:t>Ω</a:t>
+            </a:r>
+            <a:r>
+              <a:rPr lang="en-US" sz="2800" dirty="0"/>
+              <a:t> + 35 </a:t>
+            </a:r>
+            <a:r>
+              <a:rPr lang="el-GR" sz="2800" dirty="0"/>
+              <a:t>Ω</a:t>
+            </a:r>
+            <a:r>
+              <a:rPr lang="en-US" sz="2800" dirty="0"/>
+              <a:t> + 95 </a:t>
+            </a:r>
+            <a:r>
+              <a:rPr lang="el-GR" sz="2800" dirty="0"/>
+              <a:t>Ω</a:t>
+            </a:r>
+            <a:endParaRPr lang="en-US" sz="2800" dirty="0"/>
+          </a:p>
+          <a:p>
+            <a:pPr marL="201168" lvl="1" indent="0" algn="ctr">
+              <a:buNone/>
+            </a:pPr>
+            <a:r>
+              <a:rPr lang="en-US" sz="2800" dirty="0" err="1"/>
+              <a:t>R</a:t>
+            </a:r>
+            <a:r>
+              <a:rPr lang="en-US" sz="2800" baseline="-25000" dirty="0" err="1"/>
+              <a:t>t</a:t>
+            </a:r>
+            <a:r>
+              <a:rPr lang="en-US" sz="2800" baseline="-25000" dirty="0"/>
+              <a:t> = </a:t>
+            </a:r>
+            <a:r>
+              <a:rPr lang="en-US" sz="2800" dirty="0"/>
+              <a:t>135 </a:t>
+            </a:r>
+            <a:r>
+              <a:rPr lang="el-GR" sz="2800" dirty="0"/>
+              <a:t>Ω</a:t>
+            </a:r>
+            <a:endParaRPr lang="en-US" sz="2800" dirty="0"/>
           </a:p>
         </p:txBody>
       </p:sp>
@@ -5624,7 +5754,7 @@
           <a:lstStyle/>
           <a:p>
             <a:r>
-              <a:rPr lang="en-US" smtClean="0"/>
+              <a:rPr lang="en-US"/>
               <a:t>Add a footer</a:t>
             </a:r>
             <a:endParaRPr lang="en-US" dirty="0"/>
@@ -5634,7 +5764,7 @@
     </p:spTree>
     <p:extLst>
       <p:ext uri="{BB962C8B-B14F-4D97-AF65-F5344CB8AC3E}">
-        <p14:creationId xmlns:p14="http://schemas.microsoft.com/office/powerpoint/2010/main" val="2072606745"/>
+        <p14:creationId xmlns:p14="http://schemas.microsoft.com/office/powerpoint/2010/main" val="1628096223"/>
       </p:ext>
     </p:extLst>
   </p:cSld>
@@ -5689,10 +5819,130 @@
           <a:lstStyle/>
           <a:p>
             <a:r>
-              <a:rPr lang="en-US" dirty="0" smtClean="0"/>
-              <a:t>Example 1</a:t>
-            </a:r>
-            <a:endParaRPr lang="en-US" dirty="0"/>
+              <a:rPr lang="en-US" dirty="0"/>
+              <a:t>Problem 2</a:t>
+            </a:r>
+          </a:p>
+        </p:txBody>
+      </p:sp>
+      <p:sp>
+        <p:nvSpPr>
+          <p:cNvPr id="3" name="Content Placeholder 2"/>
+          <p:cNvSpPr>
+            <a:spLocks noGrp="1"/>
+          </p:cNvSpPr>
+          <p:nvPr>
+            <p:ph idx="1"/>
+          </p:nvPr>
+        </p:nvSpPr>
+        <p:spPr/>
+        <p:txBody>
+          <a:bodyPr/>
+          <a:lstStyle/>
+          <a:p>
+            <a:pPr>
+              <a:buFont typeface="Wingdings" panose="05000000000000000000" pitchFamily="2" charset="2"/>
+              <a:buChar char="§"/>
+            </a:pPr>
+            <a:r>
+              <a:rPr lang="en-US" dirty="0"/>
+              <a:t> The same amount of current is available in all parts of a series circuit at any time</a:t>
+            </a:r>
+          </a:p>
+          <a:p>
+            <a:pPr>
+              <a:buFont typeface="Wingdings" panose="05000000000000000000" pitchFamily="2" charset="2"/>
+              <a:buChar char="§"/>
+            </a:pPr>
+            <a:r>
+              <a:rPr lang="en-US" sz="2800" dirty="0"/>
+              <a:t> A series circuit has a </a:t>
+            </a:r>
+            <a:r>
+              <a:rPr lang="en-US" sz="2800" b="1" dirty="0"/>
+              <a:t>100-VDC</a:t>
+            </a:r>
+            <a:r>
+              <a:rPr lang="en-US" sz="2800" dirty="0"/>
+              <a:t> source and three resistors: </a:t>
+            </a:r>
+            <a:r>
+              <a:rPr lang="en-US" sz="2800" b="1" dirty="0"/>
+              <a:t>R1 = 6</a:t>
+            </a:r>
+            <a:r>
+              <a:rPr lang="el-GR" sz="2800" b="1" dirty="0"/>
+              <a:t> Ω</a:t>
+            </a:r>
+            <a:r>
+              <a:rPr lang="en-US" sz="2800" b="1" dirty="0"/>
+              <a:t>, R2 = 12</a:t>
+            </a:r>
+            <a:r>
+              <a:rPr lang="el-GR" sz="2800" b="1" dirty="0"/>
+              <a:t> Ω</a:t>
+            </a:r>
+            <a:r>
+              <a:rPr lang="en-US" sz="2800" b="1" dirty="0"/>
+              <a:t>, R3=7</a:t>
+            </a:r>
+            <a:r>
+              <a:rPr lang="el-GR" sz="2800" b="1" dirty="0"/>
+              <a:t> Ω</a:t>
+            </a:r>
+            <a:r>
+              <a:rPr lang="en-US" sz="2800" b="1" dirty="0"/>
+              <a:t>.</a:t>
+            </a:r>
+            <a:r>
+              <a:rPr lang="en-US" sz="2800" dirty="0"/>
+              <a:t> Find the </a:t>
+            </a:r>
+            <a:r>
+              <a:rPr lang="en-US" sz="2800" b="1" dirty="0"/>
+              <a:t>total current </a:t>
+            </a:r>
+            <a:r>
+              <a:rPr lang="en-US" sz="2800" dirty="0"/>
+              <a:t>in the circuit.</a:t>
+            </a:r>
+          </a:p>
+          <a:p>
+            <a:pPr>
+              <a:buFont typeface="Wingdings" panose="05000000000000000000" pitchFamily="2" charset="2"/>
+              <a:buChar char="§"/>
+            </a:pPr>
+            <a:endParaRPr lang="en-US" sz="2800" dirty="0"/>
+          </a:p>
+          <a:p>
+            <a:pPr marL="514350" indent="-514350">
+              <a:buFont typeface="+mj-lt"/>
+              <a:buAutoNum type="arabicPeriod"/>
+            </a:pPr>
+            <a:r>
+              <a:rPr lang="en-US" sz="2800" dirty="0"/>
+              <a:t>Find total resistance</a:t>
+            </a:r>
+          </a:p>
+          <a:p>
+            <a:pPr marL="514350" indent="-514350">
+              <a:buFont typeface="+mj-lt"/>
+              <a:buAutoNum type="arabicPeriod"/>
+            </a:pPr>
+            <a:r>
+              <a:rPr lang="en-US" sz="2800" dirty="0"/>
+              <a:t>Find total voltage</a:t>
+            </a:r>
+          </a:p>
+          <a:p>
+            <a:pPr marL="514350" indent="-514350">
+              <a:buFont typeface="+mj-lt"/>
+              <a:buAutoNum type="arabicPeriod"/>
+            </a:pPr>
+            <a:r>
+              <a:rPr lang="en-US" sz="2800" dirty="0"/>
+              <a:t>Utilize Ohm’s Law to calculate total current</a:t>
+            </a:r>
           </a:p>
         </p:txBody>
       </p:sp>
@@ -5712,58 +5962,17 @@
           <a:lstStyle/>
           <a:p>
             <a:r>
-              <a:rPr lang="en-US" smtClean="0"/>
+              <a:rPr lang="en-US"/>
               <a:t>Add a footer</a:t>
             </a:r>
             <a:endParaRPr lang="en-US" dirty="0"/>
           </a:p>
         </p:txBody>
       </p:sp>
-      <p:pic>
-        <p:nvPicPr>
-          <p:cNvPr id="7170" name="Picture 2" descr="Image result for series circuit polarity"/>
-          <p:cNvPicPr>
-            <a:picLocks noChangeAspect="1" noChangeArrowheads="1"/>
-          </p:cNvPicPr>
-          <p:nvPr/>
-        </p:nvPicPr>
-        <p:blipFill>
-          <a:blip r:embed="rId2">
-            <a:extLst>
-              <a:ext uri="{28A0092B-C50C-407E-A947-70E740481C1C}">
-                <a14:useLocalDpi xmlns:a14="http://schemas.microsoft.com/office/drawing/2010/main" val="0"/>
-              </a:ext>
-            </a:extLst>
-          </a:blip>
-          <a:srcRect/>
-          <a:stretch>
-            <a:fillRect/>
-          </a:stretch>
-        </p:blipFill>
-        <p:spPr bwMode="auto">
-          <a:xfrm>
-            <a:off x="3369000" y="2064842"/>
-            <a:ext cx="5514960" cy="3492810"/>
-          </a:xfrm>
-          <a:prstGeom prst="rect">
-            <a:avLst/>
-          </a:prstGeom>
-          <a:noFill/>
-          <a:extLst>
-            <a:ext uri="{909E8E84-426E-40DD-AFC4-6F175D3DCCD1}">
-              <a14:hiddenFill xmlns:a14="http://schemas.microsoft.com/office/drawing/2010/main">
-                <a:solidFill>
-                  <a:srgbClr val="FFFFFF"/>
-                </a:solidFill>
-              </a14:hiddenFill>
-            </a:ext>
-          </a:extLst>
-        </p:spPr>
-      </p:pic>
     </p:spTree>
     <p:extLst>
       <p:ext uri="{BB962C8B-B14F-4D97-AF65-F5344CB8AC3E}">
-        <p14:creationId xmlns:p14="http://schemas.microsoft.com/office/powerpoint/2010/main" val="310216640"/>
+        <p14:creationId xmlns:p14="http://schemas.microsoft.com/office/powerpoint/2010/main" val="2875141280"/>
       </p:ext>
     </p:extLst>
   </p:cSld>
@@ -5818,111 +6027,9 @@
           <a:lstStyle/>
           <a:p>
             <a:r>
-              <a:rPr lang="en-US" dirty="0" smtClean="0"/>
-              <a:t>Series Resistance</a:t>
-            </a:r>
-            <a:endParaRPr lang="en-US" dirty="0"/>
-          </a:p>
-        </p:txBody>
-      </p:sp>
-      <p:sp>
-        <p:nvSpPr>
-          <p:cNvPr id="3" name="Content Placeholder 2"/>
-          <p:cNvSpPr>
-            <a:spLocks noGrp="1"/>
-          </p:cNvSpPr>
-          <p:nvPr>
-            <p:ph idx="1"/>
-          </p:nvPr>
-        </p:nvSpPr>
-        <p:spPr/>
-        <p:txBody>
-          <a:bodyPr/>
-          <a:lstStyle/>
-          <a:p>
-            <a:pPr>
-              <a:buFont typeface="Wingdings" panose="05000000000000000000" pitchFamily="2" charset="2"/>
-              <a:buChar char="§"/>
-            </a:pPr>
-            <a:r>
-              <a:rPr lang="en-US" dirty="0" smtClean="0"/>
-              <a:t> Because a series circuit has only one path of flow, it must pass through each resistor in a circuit</a:t>
-            </a:r>
-          </a:p>
-          <a:p>
-            <a:pPr>
-              <a:buFont typeface="Wingdings" panose="05000000000000000000" pitchFamily="2" charset="2"/>
-              <a:buChar char="§"/>
-            </a:pPr>
-            <a:r>
               <a:rPr lang="en-US" dirty="0"/>
-              <a:t> </a:t>
-            </a:r>
-            <a:r>
-              <a:rPr lang="en-US" dirty="0" smtClean="0"/>
-              <a:t>The total resistance then is the sum of all the resistors in the series circuit</a:t>
-            </a:r>
-          </a:p>
-          <a:p>
-            <a:pPr>
-              <a:buFont typeface="Wingdings" panose="05000000000000000000" pitchFamily="2" charset="2"/>
-              <a:buChar char="§"/>
-            </a:pPr>
-            <a:endParaRPr lang="en-US" dirty="0"/>
-          </a:p>
-          <a:p>
-            <a:pPr marL="0" indent="0" algn="ctr">
-              <a:buNone/>
-            </a:pPr>
-            <a:r>
-              <a:rPr lang="en-US" sz="8000" b="1" dirty="0" err="1" smtClean="0"/>
-              <a:t>R</a:t>
-            </a:r>
-            <a:r>
-              <a:rPr lang="en-US" sz="8000" b="1" baseline="-25000" dirty="0" err="1" smtClean="0"/>
-              <a:t>t</a:t>
-            </a:r>
-            <a:r>
-              <a:rPr lang="en-US" sz="8000" b="1" baseline="-25000" dirty="0" smtClean="0"/>
-              <a:t> = </a:t>
-            </a:r>
-            <a:r>
-              <a:rPr lang="en-US" sz="8000" b="1" dirty="0" smtClean="0"/>
-              <a:t>R</a:t>
-            </a:r>
-            <a:r>
-              <a:rPr lang="en-US" sz="8000" b="1" baseline="-25000" dirty="0" smtClean="0"/>
-              <a:t>1</a:t>
-            </a:r>
-            <a:r>
-              <a:rPr lang="en-US" sz="8000" b="1" dirty="0" smtClean="0"/>
-              <a:t> + R</a:t>
-            </a:r>
-            <a:r>
-              <a:rPr lang="en-US" sz="8000" b="1" baseline="-25000" dirty="0" smtClean="0"/>
-              <a:t>2</a:t>
-            </a:r>
-            <a:r>
-              <a:rPr lang="en-US" sz="8000" b="1" dirty="0" smtClean="0"/>
-              <a:t> + R</a:t>
-            </a:r>
-            <a:r>
-              <a:rPr lang="en-US" sz="8000" b="1" baseline="-25000" dirty="0" smtClean="0"/>
-              <a:t>3</a:t>
-            </a:r>
-            <a:r>
-              <a:rPr lang="en-US" sz="8000" b="1" dirty="0" smtClean="0"/>
-              <a:t> + R</a:t>
-            </a:r>
-            <a:r>
-              <a:rPr lang="en-US" sz="8000" b="1" baseline="-25000" dirty="0" smtClean="0"/>
-              <a:t>4</a:t>
-            </a:r>
-            <a:r>
-              <a:rPr lang="en-US" sz="8000" b="1" dirty="0" smtClean="0"/>
-              <a:t> …..</a:t>
-            </a:r>
-            <a:endParaRPr lang="en-US" sz="8000" b="1" dirty="0"/>
+              <a:t>Problem 2 Cont.</a:t>
+            </a:r>
           </a:p>
         </p:txBody>
       </p:sp>
@@ -5942,621 +6049,7 @@
           <a:lstStyle/>
           <a:p>
             <a:r>
-              <a:rPr lang="en-US" smtClean="0"/>
-              <a:t>Add a footer</a:t>
-            </a:r>
-            <a:endParaRPr lang="en-US" dirty="0"/>
-          </a:p>
-        </p:txBody>
-      </p:sp>
-    </p:spTree>
-    <p:extLst>
-      <p:ext uri="{BB962C8B-B14F-4D97-AF65-F5344CB8AC3E}">
-        <p14:creationId xmlns:p14="http://schemas.microsoft.com/office/powerpoint/2010/main" val="1975857243"/>
-      </p:ext>
-    </p:extLst>
-  </p:cSld>
-  <p:clrMapOvr>
-    <a:masterClrMapping/>
-  </p:clrMapOvr>
-  <mc:AlternateContent xmlns:mc="http://schemas.openxmlformats.org/markup-compatibility/2006" xmlns:p14="http://schemas.microsoft.com/office/powerpoint/2010/main">
-    <mc:Choice Requires="p14">
-      <p:transition spd="med" p14:dur="700">
-        <p:fade/>
-      </p:transition>
-    </mc:Choice>
-    <mc:Fallback xmlns="">
-      <p:transition spd="med">
-        <p:fade/>
-      </p:transition>
-    </mc:Fallback>
-  </mc:AlternateContent>
-  <p:timing>
-    <p:tnLst>
-      <p:par>
-        <p:cTn id="1" dur="indefinite" restart="never" nodeType="tmRoot"/>
-      </p:par>
-    </p:tnLst>
-  </p:timing>
-</p:sld>
-</file>
-
-<file path=ppt/slides/slide17.xml><?xml version="1.0" encoding="utf-8"?>
-<p:sld xmlns:a="http://schemas.openxmlformats.org/drawingml/2006/main" xmlns:r="http://schemas.openxmlformats.org/officeDocument/2006/relationships" xmlns:p="http://schemas.openxmlformats.org/presentationml/2006/main">
-  <p:cSld>
-    <p:spTree>
-      <p:nvGrpSpPr>
-        <p:cNvPr id="1" name=""/>
-        <p:cNvGrpSpPr/>
-        <p:nvPr/>
-      </p:nvGrpSpPr>
-      <p:grpSpPr>
-        <a:xfrm>
-          <a:off x="0" y="0"/>
-          <a:ext cx="0" cy="0"/>
-          <a:chOff x="0" y="0"/>
-          <a:chExt cx="0" cy="0"/>
-        </a:xfrm>
-      </p:grpSpPr>
-      <p:sp>
-        <p:nvSpPr>
-          <p:cNvPr id="2" name="Title 1"/>
-          <p:cNvSpPr>
-            <a:spLocks noGrp="1"/>
-          </p:cNvSpPr>
-          <p:nvPr>
-            <p:ph type="title"/>
-          </p:nvPr>
-        </p:nvSpPr>
-        <p:spPr/>
-        <p:txBody>
-          <a:bodyPr/>
-          <a:lstStyle/>
-          <a:p>
-            <a:r>
-              <a:rPr lang="en-US" dirty="0" smtClean="0"/>
-              <a:t>Problem 1</a:t>
-            </a:r>
-            <a:endParaRPr lang="en-US" dirty="0"/>
-          </a:p>
-        </p:txBody>
-      </p:sp>
-      <p:sp>
-        <p:nvSpPr>
-          <p:cNvPr id="3" name="Content Placeholder 2"/>
-          <p:cNvSpPr>
-            <a:spLocks noGrp="1"/>
-          </p:cNvSpPr>
-          <p:nvPr>
-            <p:ph idx="1"/>
-          </p:nvPr>
-        </p:nvSpPr>
-        <p:spPr/>
-        <p:txBody>
-          <a:bodyPr/>
-          <a:lstStyle/>
-          <a:p>
-            <a:pPr>
-              <a:buFont typeface="Wingdings" panose="05000000000000000000" pitchFamily="2" charset="2"/>
-              <a:buChar char="§"/>
-            </a:pPr>
-            <a:r>
-              <a:rPr lang="en-US" dirty="0" smtClean="0"/>
-              <a:t> Find the total resistance of the three resistors connected in series.</a:t>
-            </a:r>
-          </a:p>
-          <a:p>
-            <a:pPr lvl="1">
-              <a:buFont typeface="Wingdings" panose="05000000000000000000" pitchFamily="2" charset="2"/>
-              <a:buChar char="§"/>
-            </a:pPr>
-            <a:r>
-              <a:rPr lang="en-US" dirty="0" smtClean="0"/>
-              <a:t>R1 = 5 </a:t>
-            </a:r>
-            <a:r>
-              <a:rPr lang="el-GR" dirty="0" smtClean="0"/>
-              <a:t>Ω</a:t>
-            </a:r>
-            <a:endParaRPr lang="en-US" dirty="0" smtClean="0"/>
-          </a:p>
-          <a:p>
-            <a:pPr lvl="1">
-              <a:buFont typeface="Wingdings" panose="05000000000000000000" pitchFamily="2" charset="2"/>
-              <a:buChar char="§"/>
-            </a:pPr>
-            <a:r>
-              <a:rPr lang="en-US" dirty="0" smtClean="0"/>
-              <a:t>R2 = 35 </a:t>
-            </a:r>
-            <a:r>
-              <a:rPr lang="el-GR" dirty="0"/>
-              <a:t>Ω</a:t>
-            </a:r>
-            <a:endParaRPr lang="en-US" dirty="0" smtClean="0"/>
-          </a:p>
-          <a:p>
-            <a:pPr lvl="1">
-              <a:buFont typeface="Wingdings" panose="05000000000000000000" pitchFamily="2" charset="2"/>
-              <a:buChar char="§"/>
-            </a:pPr>
-            <a:r>
-              <a:rPr lang="en-US" dirty="0" smtClean="0"/>
-              <a:t>R3 = 95 </a:t>
-            </a:r>
-            <a:r>
-              <a:rPr lang="el-GR" dirty="0" smtClean="0"/>
-              <a:t>Ω</a:t>
-            </a:r>
-            <a:endParaRPr lang="en-US" dirty="0"/>
-          </a:p>
-          <a:p>
-            <a:pPr marL="201168" lvl="1" indent="0" algn="ctr">
-              <a:buNone/>
-            </a:pPr>
-            <a:r>
-              <a:rPr lang="en-US" sz="4000" b="1" dirty="0" err="1"/>
-              <a:t>R</a:t>
-            </a:r>
-            <a:r>
-              <a:rPr lang="en-US" sz="4000" b="1" baseline="-25000" dirty="0" err="1"/>
-              <a:t>t</a:t>
-            </a:r>
-            <a:r>
-              <a:rPr lang="en-US" sz="4000" b="1" baseline="-25000" dirty="0"/>
-              <a:t> = </a:t>
-            </a:r>
-            <a:r>
-              <a:rPr lang="en-US" sz="4000" b="1" dirty="0"/>
-              <a:t>R</a:t>
-            </a:r>
-            <a:r>
-              <a:rPr lang="en-US" sz="4000" b="1" baseline="-25000" dirty="0"/>
-              <a:t>1</a:t>
-            </a:r>
-            <a:r>
-              <a:rPr lang="en-US" sz="4000" b="1" dirty="0"/>
-              <a:t> + R</a:t>
-            </a:r>
-            <a:r>
-              <a:rPr lang="en-US" sz="4000" b="1" baseline="-25000" dirty="0"/>
-              <a:t>2</a:t>
-            </a:r>
-            <a:r>
-              <a:rPr lang="en-US" sz="4000" b="1" dirty="0"/>
-              <a:t> + </a:t>
-            </a:r>
-            <a:r>
-              <a:rPr lang="en-US" sz="4000" b="1" dirty="0" smtClean="0"/>
-              <a:t>R</a:t>
-            </a:r>
-            <a:r>
-              <a:rPr lang="en-US" sz="4000" b="1" baseline="-25000" dirty="0" smtClean="0"/>
-              <a:t>3</a:t>
-            </a:r>
-          </a:p>
-          <a:p>
-            <a:pPr marL="201168" lvl="1" indent="0" algn="ctr">
-              <a:buNone/>
-            </a:pPr>
-            <a:r>
-              <a:rPr lang="en-US" sz="2800" dirty="0" err="1" smtClean="0"/>
-              <a:t>R</a:t>
-            </a:r>
-            <a:r>
-              <a:rPr lang="en-US" sz="2800" baseline="-25000" dirty="0" err="1" smtClean="0"/>
-              <a:t>t</a:t>
-            </a:r>
-            <a:r>
-              <a:rPr lang="en-US" sz="2800" b="1" baseline="-25000" dirty="0" smtClean="0"/>
-              <a:t> = </a:t>
-            </a:r>
-            <a:r>
-              <a:rPr lang="en-US" sz="2800" dirty="0"/>
-              <a:t>5 </a:t>
-            </a:r>
-            <a:r>
-              <a:rPr lang="el-GR" sz="2800" dirty="0" smtClean="0"/>
-              <a:t>Ω</a:t>
-            </a:r>
-            <a:r>
-              <a:rPr lang="en-US" sz="2800" dirty="0" smtClean="0"/>
-              <a:t> + </a:t>
-            </a:r>
-            <a:r>
-              <a:rPr lang="en-US" sz="2800" dirty="0"/>
-              <a:t>35 </a:t>
-            </a:r>
-            <a:r>
-              <a:rPr lang="el-GR" sz="2800" dirty="0" smtClean="0"/>
-              <a:t>Ω</a:t>
-            </a:r>
-            <a:r>
-              <a:rPr lang="en-US" sz="2800" dirty="0" smtClean="0"/>
-              <a:t> + </a:t>
-            </a:r>
-            <a:r>
-              <a:rPr lang="en-US" sz="2800" dirty="0"/>
-              <a:t>95 </a:t>
-            </a:r>
-            <a:r>
-              <a:rPr lang="el-GR" sz="2800" dirty="0" smtClean="0"/>
-              <a:t>Ω</a:t>
-            </a:r>
-            <a:endParaRPr lang="en-US" sz="2800" dirty="0" smtClean="0"/>
-          </a:p>
-          <a:p>
-            <a:pPr marL="201168" lvl="1" indent="0" algn="ctr">
-              <a:buNone/>
-            </a:pPr>
-            <a:r>
-              <a:rPr lang="en-US" sz="2800" dirty="0" err="1" smtClean="0"/>
-              <a:t>R</a:t>
-            </a:r>
-            <a:r>
-              <a:rPr lang="en-US" sz="2800" baseline="-25000" dirty="0" err="1" smtClean="0"/>
-              <a:t>t</a:t>
-            </a:r>
-            <a:r>
-              <a:rPr lang="en-US" sz="2800" baseline="-25000" dirty="0" smtClean="0"/>
-              <a:t> = </a:t>
-            </a:r>
-            <a:r>
-              <a:rPr lang="en-US" sz="2800" dirty="0" smtClean="0"/>
-              <a:t>135 </a:t>
-            </a:r>
-            <a:r>
-              <a:rPr lang="el-GR" sz="2800" dirty="0"/>
-              <a:t>Ω</a:t>
-            </a:r>
-            <a:endParaRPr lang="en-US" sz="2800" dirty="0" smtClean="0"/>
-          </a:p>
-        </p:txBody>
-      </p:sp>
-      <p:sp>
-        <p:nvSpPr>
-          <p:cNvPr id="4" name="Footer Placeholder 3"/>
-          <p:cNvSpPr>
-            <a:spLocks noGrp="1"/>
-          </p:cNvSpPr>
-          <p:nvPr>
-            <p:ph type="ftr" sz="quarter" idx="11"/>
-          </p:nvPr>
-        </p:nvSpPr>
-        <p:spPr/>
-        <p:txBody>
-          <a:bodyPr/>
-          <a:lstStyle/>
-          <a:p>
-            <a:r>
-              <a:rPr lang="en-US" smtClean="0"/>
-              <a:t>Add a footer</a:t>
-            </a:r>
-            <a:endParaRPr lang="en-US" dirty="0"/>
-          </a:p>
-        </p:txBody>
-      </p:sp>
-    </p:spTree>
-    <p:extLst>
-      <p:ext uri="{BB962C8B-B14F-4D97-AF65-F5344CB8AC3E}">
-        <p14:creationId xmlns:p14="http://schemas.microsoft.com/office/powerpoint/2010/main" val="1628096223"/>
-      </p:ext>
-    </p:extLst>
-  </p:cSld>
-  <p:clrMapOvr>
-    <a:masterClrMapping/>
-  </p:clrMapOvr>
-  <mc:AlternateContent xmlns:mc="http://schemas.openxmlformats.org/markup-compatibility/2006" xmlns:p14="http://schemas.microsoft.com/office/powerpoint/2010/main">
-    <mc:Choice Requires="p14">
-      <p:transition spd="med" p14:dur="700">
-        <p:fade/>
-      </p:transition>
-    </mc:Choice>
-    <mc:Fallback xmlns="">
-      <p:transition spd="med">
-        <p:fade/>
-      </p:transition>
-    </mc:Fallback>
-  </mc:AlternateContent>
-  <p:timing>
-    <p:tnLst>
-      <p:par>
-        <p:cTn id="1" dur="indefinite" restart="never" nodeType="tmRoot"/>
-      </p:par>
-    </p:tnLst>
-  </p:timing>
-</p:sld>
-</file>
-
-<file path=ppt/slides/slide18.xml><?xml version="1.0" encoding="utf-8"?>
-<p:sld xmlns:a="http://schemas.openxmlformats.org/drawingml/2006/main" xmlns:r="http://schemas.openxmlformats.org/officeDocument/2006/relationships" xmlns:p="http://schemas.openxmlformats.org/presentationml/2006/main">
-  <p:cSld>
-    <p:spTree>
-      <p:nvGrpSpPr>
-        <p:cNvPr id="1" name=""/>
-        <p:cNvGrpSpPr/>
-        <p:nvPr/>
-      </p:nvGrpSpPr>
-      <p:grpSpPr>
-        <a:xfrm>
-          <a:off x="0" y="0"/>
-          <a:ext cx="0" cy="0"/>
-          <a:chOff x="0" y="0"/>
-          <a:chExt cx="0" cy="0"/>
-        </a:xfrm>
-      </p:grpSpPr>
-      <p:sp>
-        <p:nvSpPr>
-          <p:cNvPr id="2" name="Title 1"/>
-          <p:cNvSpPr>
-            <a:spLocks noGrp="1"/>
-          </p:cNvSpPr>
-          <p:nvPr>
-            <p:ph type="title"/>
-          </p:nvPr>
-        </p:nvSpPr>
-        <p:spPr/>
-        <p:txBody>
-          <a:bodyPr/>
-          <a:lstStyle/>
-          <a:p>
-            <a:r>
-              <a:rPr lang="en-US" dirty="0" smtClean="0"/>
-              <a:t>Problem 2</a:t>
-            </a:r>
-            <a:endParaRPr lang="en-US" dirty="0"/>
-          </a:p>
-        </p:txBody>
-      </p:sp>
-      <p:sp>
-        <p:nvSpPr>
-          <p:cNvPr id="3" name="Content Placeholder 2"/>
-          <p:cNvSpPr>
-            <a:spLocks noGrp="1"/>
-          </p:cNvSpPr>
-          <p:nvPr>
-            <p:ph idx="1"/>
-          </p:nvPr>
-        </p:nvSpPr>
-        <p:spPr/>
-        <p:txBody>
-          <a:bodyPr/>
-          <a:lstStyle/>
-          <a:p>
-            <a:pPr>
-              <a:buFont typeface="Wingdings" panose="05000000000000000000" pitchFamily="2" charset="2"/>
-              <a:buChar char="§"/>
-            </a:pPr>
-            <a:r>
-              <a:rPr lang="en-US" dirty="0" smtClean="0"/>
-              <a:t> The same amount of current is available in all parts of a series circuit at any time</a:t>
-            </a:r>
-          </a:p>
-          <a:p>
-            <a:pPr>
-              <a:buFont typeface="Wingdings" panose="05000000000000000000" pitchFamily="2" charset="2"/>
-              <a:buChar char="§"/>
-            </a:pPr>
-            <a:r>
-              <a:rPr lang="en-US" sz="2800" dirty="0"/>
-              <a:t> </a:t>
-            </a:r>
-            <a:r>
-              <a:rPr lang="en-US" sz="2800" dirty="0" smtClean="0"/>
-              <a:t>A series circuit has a </a:t>
-            </a:r>
-            <a:r>
-              <a:rPr lang="en-US" sz="2800" b="1" dirty="0" smtClean="0"/>
-              <a:t>100-VDC</a:t>
-            </a:r>
-            <a:r>
-              <a:rPr lang="en-US" sz="2800" dirty="0" smtClean="0"/>
-              <a:t> source and three resistors: </a:t>
-            </a:r>
-            <a:r>
-              <a:rPr lang="en-US" sz="2800" b="1" dirty="0" smtClean="0"/>
-              <a:t>R1 = 6</a:t>
-            </a:r>
-            <a:r>
-              <a:rPr lang="el-GR" sz="2800" b="1" dirty="0"/>
-              <a:t> </a:t>
-            </a:r>
-            <a:r>
-              <a:rPr lang="el-GR" sz="2800" b="1" dirty="0" smtClean="0"/>
-              <a:t>Ω</a:t>
-            </a:r>
-            <a:r>
-              <a:rPr lang="en-US" sz="2800" b="1" dirty="0" smtClean="0"/>
-              <a:t>, R2 = 12</a:t>
-            </a:r>
-            <a:r>
-              <a:rPr lang="el-GR" sz="2800" b="1" dirty="0"/>
-              <a:t> </a:t>
-            </a:r>
-            <a:r>
-              <a:rPr lang="el-GR" sz="2800" b="1" dirty="0" smtClean="0"/>
-              <a:t>Ω</a:t>
-            </a:r>
-            <a:r>
-              <a:rPr lang="en-US" sz="2800" b="1" dirty="0" smtClean="0"/>
-              <a:t>, R3=7</a:t>
-            </a:r>
-            <a:r>
-              <a:rPr lang="el-GR" sz="2800" b="1" dirty="0"/>
-              <a:t> </a:t>
-            </a:r>
-            <a:r>
-              <a:rPr lang="el-GR" sz="2800" b="1" dirty="0" smtClean="0"/>
-              <a:t>Ω</a:t>
-            </a:r>
-            <a:r>
-              <a:rPr lang="en-US" sz="2800" b="1" dirty="0" smtClean="0"/>
-              <a:t>.</a:t>
-            </a:r>
-            <a:r>
-              <a:rPr lang="en-US" sz="2800" dirty="0" smtClean="0"/>
-              <a:t> Find the </a:t>
-            </a:r>
-            <a:r>
-              <a:rPr lang="en-US" sz="2800" b="1" dirty="0" smtClean="0"/>
-              <a:t>total current </a:t>
-            </a:r>
-            <a:r>
-              <a:rPr lang="en-US" sz="2800" dirty="0" smtClean="0"/>
-              <a:t>in the circuit.</a:t>
-            </a:r>
-          </a:p>
-          <a:p>
-            <a:pPr>
-              <a:buFont typeface="Wingdings" panose="05000000000000000000" pitchFamily="2" charset="2"/>
-              <a:buChar char="§"/>
-            </a:pPr>
-            <a:endParaRPr lang="en-US" sz="2800" dirty="0"/>
-          </a:p>
-          <a:p>
-            <a:pPr marL="514350" indent="-514350">
-              <a:buFont typeface="+mj-lt"/>
-              <a:buAutoNum type="arabicPeriod"/>
-            </a:pPr>
-            <a:r>
-              <a:rPr lang="en-US" sz="2800" dirty="0" smtClean="0"/>
-              <a:t>Find total resistance</a:t>
-            </a:r>
-          </a:p>
-          <a:p>
-            <a:pPr marL="514350" indent="-514350">
-              <a:buFont typeface="+mj-lt"/>
-              <a:buAutoNum type="arabicPeriod"/>
-            </a:pPr>
-            <a:r>
-              <a:rPr lang="en-US" sz="2800" dirty="0" smtClean="0"/>
-              <a:t>Find total voltage</a:t>
-            </a:r>
-          </a:p>
-          <a:p>
-            <a:pPr marL="514350" indent="-514350">
-              <a:buFont typeface="+mj-lt"/>
-              <a:buAutoNum type="arabicPeriod"/>
-            </a:pPr>
-            <a:r>
-              <a:rPr lang="en-US" sz="2800" dirty="0" smtClean="0"/>
-              <a:t>Utilize Ohm’s Law to calculate total current</a:t>
-            </a:r>
-          </a:p>
-        </p:txBody>
-      </p:sp>
-      <p:sp>
-        <p:nvSpPr>
-          <p:cNvPr id="4" name="Footer Placeholder 3"/>
-          <p:cNvSpPr>
-            <a:spLocks noGrp="1"/>
-          </p:cNvSpPr>
-          <p:nvPr>
-            <p:ph type="ftr" sz="quarter" idx="11"/>
-          </p:nvPr>
-        </p:nvSpPr>
-        <p:spPr/>
-        <p:txBody>
-          <a:bodyPr/>
-          <a:lstStyle/>
-          <a:p>
-            <a:r>
-              <a:rPr lang="en-US" smtClean="0"/>
-              <a:t>Add a footer</a:t>
-            </a:r>
-            <a:endParaRPr lang="en-US" dirty="0"/>
-          </a:p>
-        </p:txBody>
-      </p:sp>
-    </p:spTree>
-    <p:extLst>
-      <p:ext uri="{BB962C8B-B14F-4D97-AF65-F5344CB8AC3E}">
-        <p14:creationId xmlns:p14="http://schemas.microsoft.com/office/powerpoint/2010/main" val="2875141280"/>
-      </p:ext>
-    </p:extLst>
-  </p:cSld>
-  <p:clrMapOvr>
-    <a:masterClrMapping/>
-  </p:clrMapOvr>
-  <mc:AlternateContent xmlns:mc="http://schemas.openxmlformats.org/markup-compatibility/2006" xmlns:p14="http://schemas.microsoft.com/office/powerpoint/2010/main">
-    <mc:Choice Requires="p14">
-      <p:transition spd="med" p14:dur="700">
-        <p:fade/>
-      </p:transition>
-    </mc:Choice>
-    <mc:Fallback xmlns="">
-      <p:transition spd="med">
-        <p:fade/>
-      </p:transition>
-    </mc:Fallback>
-  </mc:AlternateContent>
-  <p:timing>
-    <p:tnLst>
-      <p:par>
-        <p:cTn id="1" dur="indefinite" restart="never" nodeType="tmRoot"/>
-      </p:par>
-    </p:tnLst>
-  </p:timing>
-</p:sld>
-</file>
-
-<file path=ppt/slides/slide19.xml><?xml version="1.0" encoding="utf-8"?>
-<p:sld xmlns:a="http://schemas.openxmlformats.org/drawingml/2006/main" xmlns:r="http://schemas.openxmlformats.org/officeDocument/2006/relationships" xmlns:p="http://schemas.openxmlformats.org/presentationml/2006/main">
-  <p:cSld>
-    <p:spTree>
-      <p:nvGrpSpPr>
-        <p:cNvPr id="1" name=""/>
-        <p:cNvGrpSpPr/>
-        <p:nvPr/>
-      </p:nvGrpSpPr>
-      <p:grpSpPr>
-        <a:xfrm>
-          <a:off x="0" y="0"/>
-          <a:ext cx="0" cy="0"/>
-          <a:chOff x="0" y="0"/>
-          <a:chExt cx="0" cy="0"/>
-        </a:xfrm>
-      </p:grpSpPr>
-      <p:sp>
-        <p:nvSpPr>
-          <p:cNvPr id="2" name="Title 1"/>
-          <p:cNvSpPr>
-            <a:spLocks noGrp="1"/>
-          </p:cNvSpPr>
-          <p:nvPr>
-            <p:ph type="title"/>
-          </p:nvPr>
-        </p:nvSpPr>
-        <p:spPr/>
-        <p:txBody>
-          <a:bodyPr/>
-          <a:lstStyle/>
-          <a:p>
-            <a:r>
-              <a:rPr lang="en-US" dirty="0" smtClean="0"/>
-              <a:t>Problem 2 Cont.</a:t>
-            </a:r>
-            <a:endParaRPr lang="en-US" dirty="0"/>
-          </a:p>
-        </p:txBody>
-      </p:sp>
-      <p:sp>
-        <p:nvSpPr>
-          <p:cNvPr id="4" name="Footer Placeholder 3"/>
-          <p:cNvSpPr>
-            <a:spLocks noGrp="1"/>
-          </p:cNvSpPr>
-          <p:nvPr>
-            <p:ph type="ftr" sz="quarter" idx="11"/>
-          </p:nvPr>
-        </p:nvSpPr>
-        <p:spPr/>
-        <p:txBody>
-          <a:bodyPr/>
-          <a:lstStyle/>
-          <a:p>
-            <a:r>
-              <a:rPr lang="en-US" smtClean="0"/>
+              <a:rPr lang="en-US"/>
               <a:t>Add a footer</a:t>
             </a:r>
             <a:endParaRPr lang="en-US" dirty="0"/>
@@ -6588,7 +6081,7 @@
 </p:sld>
 </file>
 
-<file path=ppt/slides/slide2.xml><?xml version="1.0" encoding="utf-8"?>
+<file path=ppt/slides/slide17.xml><?xml version="1.0" encoding="utf-8"?>
 <p:sld xmlns:a="http://schemas.openxmlformats.org/drawingml/2006/main" xmlns:r="http://schemas.openxmlformats.org/officeDocument/2006/relationships" xmlns:p="http://schemas.openxmlformats.org/presentationml/2006/main">
   <p:cSld>
     <p:spTree>
@@ -6607,13 +6100,7 @@
       </p:grpSpPr>
       <p:sp>
         <p:nvSpPr>
-          <p:cNvPr id="2" name="Title 1">
-            <a:extLst>
-              <a:ext uri="{FF2B5EF4-FFF2-40B4-BE49-F238E27FC236}">
-                <a16:creationId xmlns:a16="http://schemas.microsoft.com/office/drawing/2014/main" xmlns="" id="{7AAD9E9C-644B-40CF-8B60-7CD77F3EAC65}"/>
-              </a:ext>
-            </a:extLst>
-          </p:cNvPr>
+          <p:cNvPr id="2" name="Title 1"/>
           <p:cNvSpPr>
             <a:spLocks noGrp="1"/>
           </p:cNvSpPr>
@@ -6627,129 +6114,9 @@
           <a:lstStyle/>
           <a:p>
             <a:r>
-              <a:rPr lang="en-US" dirty="0" smtClean="0"/>
-              <a:t>Series Circuits</a:t>
-            </a:r>
-            <a:endParaRPr lang="en-US" dirty="0"/>
-          </a:p>
-        </p:txBody>
-      </p:sp>
-      <p:sp>
-        <p:nvSpPr>
-          <p:cNvPr id="3" name="Text Placeholder 2">
-            <a:extLst>
-              <a:ext uri="{FF2B5EF4-FFF2-40B4-BE49-F238E27FC236}">
-                <a16:creationId xmlns:a16="http://schemas.microsoft.com/office/drawing/2014/main" xmlns="" id="{F1416FA5-60EE-4E88-BF08-02C91A452D67}"/>
-              </a:ext>
-            </a:extLst>
-          </p:cNvPr>
-          <p:cNvSpPr>
-            <a:spLocks noGrp="1"/>
-          </p:cNvSpPr>
-          <p:nvPr>
-            <p:ph type="body" idx="1"/>
-          </p:nvPr>
-        </p:nvSpPr>
-        <p:spPr/>
-        <p:txBody>
-          <a:bodyPr/>
-          <a:lstStyle/>
-          <a:p>
-            <a:r>
-              <a:rPr lang="en-US" dirty="0" smtClean="0"/>
-              <a:t>Series Circuits</a:t>
-            </a:r>
-            <a:endParaRPr lang="en-US" dirty="0"/>
-          </a:p>
-        </p:txBody>
-      </p:sp>
-      <p:sp>
-        <p:nvSpPr>
-          <p:cNvPr id="4" name="Footer Placeholder 3">
-            <a:extLst>
-              <a:ext uri="{FF2B5EF4-FFF2-40B4-BE49-F238E27FC236}">
-                <a16:creationId xmlns:a16="http://schemas.microsoft.com/office/drawing/2014/main" xmlns="" id="{C38F2B1D-5AE8-4375-BC2B-5E2210E6B93D}"/>
-              </a:ext>
-            </a:extLst>
-          </p:cNvPr>
-          <p:cNvSpPr>
-            <a:spLocks noGrp="1"/>
-          </p:cNvSpPr>
-          <p:nvPr>
-            <p:ph type="ftr" sz="quarter" idx="11"/>
-          </p:nvPr>
-        </p:nvSpPr>
-        <p:spPr/>
-        <p:txBody>
-          <a:bodyPr/>
-          <a:lstStyle/>
-          <a:p>
-            <a:endParaRPr lang="en-US" dirty="0"/>
-          </a:p>
-        </p:txBody>
-      </p:sp>
-    </p:spTree>
-    <p:extLst>
-      <p:ext uri="{BB962C8B-B14F-4D97-AF65-F5344CB8AC3E}">
-        <p14:creationId xmlns:p14="http://schemas.microsoft.com/office/powerpoint/2010/main" val="2525585855"/>
-      </p:ext>
-    </p:extLst>
-  </p:cSld>
-  <p:clrMapOvr>
-    <a:masterClrMapping/>
-  </p:clrMapOvr>
-  <mc:AlternateContent xmlns:mc="http://schemas.openxmlformats.org/markup-compatibility/2006" xmlns:p14="http://schemas.microsoft.com/office/powerpoint/2010/main">
-    <mc:Choice Requires="p14">
-      <p:transition spd="med" p14:dur="700">
-        <p:fade/>
-      </p:transition>
-    </mc:Choice>
-    <mc:Fallback xmlns="">
-      <p:transition spd="med">
-        <p:fade/>
-      </p:transition>
-    </mc:Fallback>
-  </mc:AlternateContent>
-</p:sld>
-</file>
-
-<file path=ppt/slides/slide20.xml><?xml version="1.0" encoding="utf-8"?>
-<p:sld xmlns:a="http://schemas.openxmlformats.org/drawingml/2006/main" xmlns:r="http://schemas.openxmlformats.org/officeDocument/2006/relationships" xmlns:p="http://schemas.openxmlformats.org/presentationml/2006/main">
-  <p:cSld>
-    <p:spTree>
-      <p:nvGrpSpPr>
-        <p:cNvPr id="1" name=""/>
-        <p:cNvGrpSpPr/>
-        <p:nvPr/>
-      </p:nvGrpSpPr>
-      <p:grpSpPr>
-        <a:xfrm>
-          <a:off x="0" y="0"/>
-          <a:ext cx="0" cy="0"/>
-          <a:chOff x="0" y="0"/>
-          <a:chExt cx="0" cy="0"/>
-        </a:xfrm>
-      </p:grpSpPr>
-      <p:sp>
-        <p:nvSpPr>
-          <p:cNvPr id="2" name="Title 1"/>
-          <p:cNvSpPr>
-            <a:spLocks noGrp="1"/>
-          </p:cNvSpPr>
-          <p:nvPr>
-            <p:ph type="title"/>
-          </p:nvPr>
-        </p:nvSpPr>
-        <p:spPr/>
-        <p:txBody>
-          <a:bodyPr/>
-          <a:lstStyle/>
-          <a:p>
-            <a:r>
-              <a:rPr lang="en-US" dirty="0" smtClean="0"/>
+              <a:rPr lang="en-US" dirty="0"/>
               <a:t>Voltage Drop</a:t>
             </a:r>
-            <a:endParaRPr lang="en-US" dirty="0"/>
           </a:p>
         </p:txBody>
       </p:sp>
@@ -6773,7 +6140,7 @@
               <a:buChar char="§"/>
             </a:pPr>
             <a:r>
-              <a:rPr lang="en-US" dirty="0" smtClean="0"/>
+              <a:rPr lang="en-US" dirty="0"/>
               <a:t> Voltage across any load is the amount needed to force the circuit current through resistance of that load</a:t>
             </a:r>
           </a:p>
@@ -6784,11 +6151,7 @@
             </a:pPr>
             <a:r>
               <a:rPr lang="en-US" dirty="0"/>
-              <a:t> </a:t>
-            </a:r>
-            <a:r>
-              <a:rPr lang="en-US" dirty="0" smtClean="0"/>
-              <a:t>Voltage drop across any load is equal to the current and resistance</a:t>
+              <a:t> Voltage drop across any load is equal to the current and resistance</a:t>
             </a:r>
           </a:p>
           <a:p>
@@ -6801,11 +6164,11 @@
               <a:t> </a:t>
             </a:r>
             <a:r>
-              <a:rPr lang="en-US" sz="4000" b="1" dirty="0" err="1" smtClean="0"/>
+              <a:rPr lang="en-US" sz="4000" b="1" dirty="0" err="1"/>
               <a:t>Kirchoff’s</a:t>
             </a:r>
             <a:r>
-              <a:rPr lang="en-US" sz="4000" b="1" dirty="0" smtClean="0"/>
+              <a:rPr lang="en-US" sz="4000" b="1" dirty="0"/>
               <a:t> Voltage Law</a:t>
             </a:r>
           </a:p>
@@ -6815,10 +6178,9 @@
               <a:buChar char="§"/>
             </a:pPr>
             <a:r>
-              <a:rPr lang="en-US" sz="3600" b="1" dirty="0" smtClean="0"/>
+              <a:rPr lang="en-US" sz="3600" b="1" dirty="0"/>
               <a:t>In a series circuit, the sum of the voltage drops across each load is equal to the total voltage applied to the circuit</a:t>
             </a:r>
-            <a:endParaRPr lang="en-US" sz="3600" b="1" dirty="0"/>
           </a:p>
         </p:txBody>
       </p:sp>
@@ -6838,7 +6200,7 @@
           <a:lstStyle/>
           <a:p>
             <a:r>
-              <a:rPr lang="en-US" smtClean="0"/>
+              <a:rPr lang="en-US"/>
               <a:t>Add a footer</a:t>
             </a:r>
             <a:endParaRPr lang="en-US" dirty="0"/>
@@ -6870,7 +6232,7 @@
 </p:sld>
 </file>
 
-<file path=ppt/slides/slide21.xml><?xml version="1.0" encoding="utf-8"?>
+<file path=ppt/slides/slide18.xml><?xml version="1.0" encoding="utf-8"?>
 <p:sld xmlns:a="http://schemas.openxmlformats.org/drawingml/2006/main" xmlns:r="http://schemas.openxmlformats.org/officeDocument/2006/relationships" xmlns:p="http://schemas.openxmlformats.org/presentationml/2006/main">
   <p:cSld>
     <p:spTree>
@@ -6903,10 +6265,9 @@
           <a:lstStyle/>
           <a:p>
             <a:r>
-              <a:rPr lang="en-US" dirty="0" smtClean="0"/>
+              <a:rPr lang="en-US" dirty="0"/>
               <a:t>Voltage Drop</a:t>
             </a:r>
-            <a:endParaRPr lang="en-US" dirty="0"/>
           </a:p>
         </p:txBody>
       </p:sp>
@@ -6926,7 +6287,7 @@
           <a:lstStyle/>
           <a:p>
             <a:r>
-              <a:rPr lang="en-US" smtClean="0"/>
+              <a:rPr lang="en-US"/>
               <a:t>Add a footer</a:t>
             </a:r>
             <a:endParaRPr lang="en-US" dirty="0"/>
@@ -7001,7 +6362,7 @@
 </p:sld>
 </file>
 
-<file path=ppt/slides/slide22.xml><?xml version="1.0" encoding="utf-8"?>
+<file path=ppt/slides/slide19.xml><?xml version="1.0" encoding="utf-8"?>
 <p:sld xmlns:a="http://schemas.openxmlformats.org/drawingml/2006/main" xmlns:r="http://schemas.openxmlformats.org/officeDocument/2006/relationships" xmlns:p="http://schemas.openxmlformats.org/presentationml/2006/main">
   <p:cSld>
     <p:spTree>
@@ -7034,10 +6395,9 @@
           <a:lstStyle/>
           <a:p>
             <a:r>
-              <a:rPr lang="en-US" dirty="0" smtClean="0"/>
+              <a:rPr lang="en-US" dirty="0"/>
               <a:t>Problem 1</a:t>
             </a:r>
-            <a:endParaRPr lang="en-US" dirty="0"/>
           </a:p>
         </p:txBody>
       </p:sp>
@@ -7063,7 +6423,7 @@
               <a:buChar char="§"/>
             </a:pPr>
             <a:r>
-              <a:rPr lang="en-US" dirty="0" smtClean="0"/>
+              <a:rPr lang="en-US" dirty="0"/>
               <a:t>The resistance s are connected in series. </a:t>
             </a:r>
           </a:p>
@@ -7074,24 +6434,20 @@
             </a:pPr>
             <a:r>
               <a:rPr lang="en-US" sz="2800" dirty="0"/>
-              <a:t> </a:t>
-            </a:r>
-            <a:r>
-              <a:rPr lang="en-US" sz="2800" dirty="0" smtClean="0"/>
-              <a:t>Calculate  the voltage drop across each resistor</a:t>
+              <a:t> Calculate  the voltage drop across each resistor</a:t>
             </a:r>
           </a:p>
           <a:p>
             <a:pPr marL="0" indent="0">
               <a:buNone/>
             </a:pPr>
-            <a:endParaRPr lang="en-US" sz="2800" dirty="0" smtClean="0"/>
+            <a:endParaRPr lang="en-US" sz="2800" dirty="0"/>
           </a:p>
           <a:p>
             <a:pPr marL="0" indent="0">
               <a:buNone/>
             </a:pPr>
-            <a:endParaRPr lang="en-US" sz="2800" dirty="0" smtClean="0"/>
+            <a:endParaRPr lang="en-US" sz="2800" dirty="0"/>
           </a:p>
           <a:p>
             <a:pPr>
@@ -7106,7 +6462,7 @@
               <a:buAutoNum type="arabicPeriod"/>
             </a:pPr>
             <a:r>
-              <a:rPr lang="en-US" sz="2800" dirty="0" smtClean="0"/>
+              <a:rPr lang="en-US" sz="2800" dirty="0"/>
               <a:t>Find total resistance</a:t>
             </a:r>
           </a:p>
@@ -7116,7 +6472,7 @@
               <a:buAutoNum type="arabicPeriod"/>
             </a:pPr>
             <a:r>
-              <a:rPr lang="en-US" sz="2800" dirty="0" smtClean="0"/>
+              <a:rPr lang="en-US" sz="2800" dirty="0"/>
               <a:t>Calculate the total current</a:t>
             </a:r>
           </a:p>
@@ -7126,7 +6482,7 @@
               <a:buAutoNum type="arabicPeriod"/>
             </a:pPr>
             <a:r>
-              <a:rPr lang="en-US" sz="2800" dirty="0" smtClean="0"/>
+              <a:rPr lang="en-US" sz="2800" dirty="0"/>
               <a:t>Figure out the voltage drop across each resistor</a:t>
             </a:r>
           </a:p>
@@ -7148,7 +6504,7 @@
           <a:lstStyle/>
           <a:p>
             <a:r>
-              <a:rPr lang="en-US" smtClean="0"/>
+              <a:rPr lang="en-US"/>
               <a:t>Add a footer</a:t>
             </a:r>
             <a:endParaRPr lang="en-US" dirty="0"/>
@@ -7201,13 +6557,498 @@
       </p:transition>
     </mc:Fallback>
   </mc:AlternateContent>
-  <p:timing>
-    <p:tnLst>
-      <p:par>
-        <p:cTn id="1" dur="indefinite" restart="never" nodeType="tmRoot"/>
-      </p:par>
-    </p:tnLst>
-  </p:timing>
+</p:sld>
+</file>
+
+<file path=ppt/slides/slide2.xml><?xml version="1.0" encoding="utf-8"?>
+<p:sld xmlns:a="http://schemas.openxmlformats.org/drawingml/2006/main" xmlns:r="http://schemas.openxmlformats.org/officeDocument/2006/relationships" xmlns:p="http://schemas.openxmlformats.org/presentationml/2006/main">
+  <p:cSld>
+    <p:spTree>
+      <p:nvGrpSpPr>
+        <p:cNvPr id="1" name=""/>
+        <p:cNvGrpSpPr/>
+        <p:nvPr/>
+      </p:nvGrpSpPr>
+      <p:grpSpPr>
+        <a:xfrm>
+          <a:off x="0" y="0"/>
+          <a:ext cx="0" cy="0"/>
+          <a:chOff x="0" y="0"/>
+          <a:chExt cx="0" cy="0"/>
+        </a:xfrm>
+      </p:grpSpPr>
+      <p:sp>
+        <p:nvSpPr>
+          <p:cNvPr id="2" name="Title 1">
+            <a:extLst>
+              <a:ext uri="{FF2B5EF4-FFF2-40B4-BE49-F238E27FC236}">
+                <a16:creationId xmlns:a16="http://schemas.microsoft.com/office/drawing/2014/main" id="{7AAD9E9C-644B-40CF-8B60-7CD77F3EAC65}"/>
+              </a:ext>
+            </a:extLst>
+          </p:cNvPr>
+          <p:cNvSpPr>
+            <a:spLocks noGrp="1"/>
+          </p:cNvSpPr>
+          <p:nvPr>
+            <p:ph type="title"/>
+          </p:nvPr>
+        </p:nvSpPr>
+        <p:spPr/>
+        <p:txBody>
+          <a:bodyPr/>
+          <a:lstStyle/>
+          <a:p>
+            <a:r>
+              <a:rPr lang="en-US" dirty="0"/>
+              <a:t>Series Circuits</a:t>
+            </a:r>
+          </a:p>
+        </p:txBody>
+      </p:sp>
+      <p:sp>
+        <p:nvSpPr>
+          <p:cNvPr id="3" name="Text Placeholder 2">
+            <a:extLst>
+              <a:ext uri="{FF2B5EF4-FFF2-40B4-BE49-F238E27FC236}">
+                <a16:creationId xmlns:a16="http://schemas.microsoft.com/office/drawing/2014/main" id="{F1416FA5-60EE-4E88-BF08-02C91A452D67}"/>
+              </a:ext>
+            </a:extLst>
+          </p:cNvPr>
+          <p:cNvSpPr>
+            <a:spLocks noGrp="1"/>
+          </p:cNvSpPr>
+          <p:nvPr>
+            <p:ph type="body" idx="1"/>
+          </p:nvPr>
+        </p:nvSpPr>
+        <p:spPr/>
+        <p:txBody>
+          <a:bodyPr/>
+          <a:lstStyle/>
+          <a:p>
+            <a:r>
+              <a:rPr lang="en-US" dirty="0"/>
+              <a:t>Series Circuits</a:t>
+            </a:r>
+          </a:p>
+        </p:txBody>
+      </p:sp>
+      <p:sp>
+        <p:nvSpPr>
+          <p:cNvPr id="4" name="Footer Placeholder 3">
+            <a:extLst>
+              <a:ext uri="{FF2B5EF4-FFF2-40B4-BE49-F238E27FC236}">
+                <a16:creationId xmlns:a16="http://schemas.microsoft.com/office/drawing/2014/main" id="{C38F2B1D-5AE8-4375-BC2B-5E2210E6B93D}"/>
+              </a:ext>
+            </a:extLst>
+          </p:cNvPr>
+          <p:cNvSpPr>
+            <a:spLocks noGrp="1"/>
+          </p:cNvSpPr>
+          <p:nvPr>
+            <p:ph type="ftr" sz="quarter" idx="11"/>
+          </p:nvPr>
+        </p:nvSpPr>
+        <p:spPr/>
+        <p:txBody>
+          <a:bodyPr/>
+          <a:lstStyle/>
+          <a:p>
+            <a:endParaRPr lang="en-US" dirty="0"/>
+          </a:p>
+        </p:txBody>
+      </p:sp>
+    </p:spTree>
+    <p:extLst>
+      <p:ext uri="{BB962C8B-B14F-4D97-AF65-F5344CB8AC3E}">
+        <p14:creationId xmlns:p14="http://schemas.microsoft.com/office/powerpoint/2010/main" val="2525585855"/>
+      </p:ext>
+    </p:extLst>
+  </p:cSld>
+  <p:clrMapOvr>
+    <a:masterClrMapping/>
+  </p:clrMapOvr>
+  <mc:AlternateContent xmlns:mc="http://schemas.openxmlformats.org/markup-compatibility/2006" xmlns:p14="http://schemas.microsoft.com/office/powerpoint/2010/main">
+    <mc:Choice Requires="p14">
+      <p:transition spd="med" p14:dur="700">
+        <p:fade/>
+      </p:transition>
+    </mc:Choice>
+    <mc:Fallback xmlns="">
+      <p:transition spd="med">
+        <p:fade/>
+      </p:transition>
+    </mc:Fallback>
+  </mc:AlternateContent>
+</p:sld>
+</file>
+
+<file path=ppt/slides/slide20.xml><?xml version="1.0" encoding="utf-8"?>
+<p:sld xmlns:a="http://schemas.openxmlformats.org/drawingml/2006/main" xmlns:r="http://schemas.openxmlformats.org/officeDocument/2006/relationships" xmlns:p="http://schemas.openxmlformats.org/presentationml/2006/main">
+  <p:cSld>
+    <p:spTree>
+      <p:nvGrpSpPr>
+        <p:cNvPr id="1" name=""/>
+        <p:cNvGrpSpPr/>
+        <p:nvPr/>
+      </p:nvGrpSpPr>
+      <p:grpSpPr>
+        <a:xfrm>
+          <a:off x="0" y="0"/>
+          <a:ext cx="0" cy="0"/>
+          <a:chOff x="0" y="0"/>
+          <a:chExt cx="0" cy="0"/>
+        </a:xfrm>
+      </p:grpSpPr>
+      <p:sp>
+        <p:nvSpPr>
+          <p:cNvPr id="2" name="Title 1"/>
+          <p:cNvSpPr>
+            <a:spLocks noGrp="1"/>
+          </p:cNvSpPr>
+          <p:nvPr>
+            <p:ph type="title"/>
+          </p:nvPr>
+        </p:nvSpPr>
+        <p:spPr/>
+        <p:txBody>
+          <a:bodyPr/>
+          <a:lstStyle/>
+          <a:p>
+            <a:r>
+              <a:rPr lang="en-US" dirty="0"/>
+              <a:t>Problem 1 Cont.</a:t>
+            </a:r>
+          </a:p>
+        </p:txBody>
+      </p:sp>
+      <p:sp>
+        <p:nvSpPr>
+          <p:cNvPr id="4" name="Footer Placeholder 3"/>
+          <p:cNvSpPr>
+            <a:spLocks noGrp="1"/>
+          </p:cNvSpPr>
+          <p:nvPr>
+            <p:ph type="ftr" sz="quarter" idx="11"/>
+          </p:nvPr>
+        </p:nvSpPr>
+        <p:spPr/>
+        <p:txBody>
+          <a:bodyPr/>
+          <a:lstStyle/>
+          <a:p>
+            <a:r>
+              <a:rPr lang="en-US"/>
+              <a:t>Add a footer</a:t>
+            </a:r>
+            <a:endParaRPr lang="en-US" dirty="0"/>
+          </a:p>
+        </p:txBody>
+      </p:sp>
+    </p:spTree>
+    <p:extLst>
+      <p:ext uri="{BB962C8B-B14F-4D97-AF65-F5344CB8AC3E}">
+        <p14:creationId xmlns:p14="http://schemas.microsoft.com/office/powerpoint/2010/main" val="1443981773"/>
+      </p:ext>
+    </p:extLst>
+  </p:cSld>
+  <p:clrMapOvr>
+    <a:masterClrMapping/>
+  </p:clrMapOvr>
+  <mc:AlternateContent xmlns:mc="http://schemas.openxmlformats.org/markup-compatibility/2006" xmlns:p14="http://schemas.microsoft.com/office/powerpoint/2010/main">
+    <mc:Choice Requires="p14">
+      <p:transition spd="med" p14:dur="700">
+        <p:fade/>
+      </p:transition>
+    </mc:Choice>
+    <mc:Fallback xmlns="">
+      <p:transition spd="med">
+        <p:fade/>
+      </p:transition>
+    </mc:Fallback>
+  </mc:AlternateContent>
+</p:sld>
+</file>
+
+<file path=ppt/slides/slide21.xml><?xml version="1.0" encoding="utf-8"?>
+<p:sld xmlns:a="http://schemas.openxmlformats.org/drawingml/2006/main" xmlns:r="http://schemas.openxmlformats.org/officeDocument/2006/relationships" xmlns:p="http://schemas.openxmlformats.org/presentationml/2006/main">
+  <p:cSld>
+    <p:spTree>
+      <p:nvGrpSpPr>
+        <p:cNvPr id="1" name=""/>
+        <p:cNvGrpSpPr/>
+        <p:nvPr/>
+      </p:nvGrpSpPr>
+      <p:grpSpPr>
+        <a:xfrm>
+          <a:off x="0" y="0"/>
+          <a:ext cx="0" cy="0"/>
+          <a:chOff x="0" y="0"/>
+          <a:chExt cx="0" cy="0"/>
+        </a:xfrm>
+      </p:grpSpPr>
+      <p:sp>
+        <p:nvSpPr>
+          <p:cNvPr id="2" name="Title 1"/>
+          <p:cNvSpPr>
+            <a:spLocks noGrp="1"/>
+          </p:cNvSpPr>
+          <p:nvPr>
+            <p:ph type="ctrTitle"/>
+          </p:nvPr>
+        </p:nvSpPr>
+        <p:spPr/>
+        <p:txBody>
+          <a:bodyPr/>
+          <a:lstStyle/>
+          <a:p>
+            <a:r>
+              <a:rPr lang="en-US" dirty="0"/>
+              <a:t>Aiding and Opposing Voltage Sources</a:t>
+            </a:r>
+          </a:p>
+        </p:txBody>
+      </p:sp>
+      <p:sp>
+        <p:nvSpPr>
+          <p:cNvPr id="4" name="Footer Placeholder 3"/>
+          <p:cNvSpPr>
+            <a:spLocks noGrp="1"/>
+          </p:cNvSpPr>
+          <p:nvPr>
+            <p:ph type="ftr" sz="quarter" idx="11"/>
+          </p:nvPr>
+        </p:nvSpPr>
+        <p:spPr/>
+        <p:txBody>
+          <a:bodyPr/>
+          <a:lstStyle/>
+          <a:p>
+            <a:r>
+              <a:rPr lang="en-US"/>
+              <a:t>Add a footer</a:t>
+            </a:r>
+            <a:endParaRPr lang="en-US" dirty="0"/>
+          </a:p>
+        </p:txBody>
+      </p:sp>
+    </p:spTree>
+    <p:extLst>
+      <p:ext uri="{BB962C8B-B14F-4D97-AF65-F5344CB8AC3E}">
+        <p14:creationId xmlns:p14="http://schemas.microsoft.com/office/powerpoint/2010/main" val="1005114289"/>
+      </p:ext>
+    </p:extLst>
+  </p:cSld>
+  <p:clrMapOvr>
+    <a:masterClrMapping/>
+  </p:clrMapOvr>
+  <mc:AlternateContent xmlns:mc="http://schemas.openxmlformats.org/markup-compatibility/2006" xmlns:p14="http://schemas.microsoft.com/office/powerpoint/2010/main">
+    <mc:Choice Requires="p14">
+      <p:transition spd="med" p14:dur="700">
+        <p:fade/>
+      </p:transition>
+    </mc:Choice>
+    <mc:Fallback xmlns="">
+      <p:transition spd="med">
+        <p:fade/>
+      </p:transition>
+    </mc:Fallback>
+  </mc:AlternateContent>
+</p:sld>
+</file>
+
+<file path=ppt/slides/slide22.xml><?xml version="1.0" encoding="utf-8"?>
+<p:sld xmlns:a="http://schemas.openxmlformats.org/drawingml/2006/main" xmlns:r="http://schemas.openxmlformats.org/officeDocument/2006/relationships" xmlns:p="http://schemas.openxmlformats.org/presentationml/2006/main">
+  <p:cSld>
+    <p:spTree>
+      <p:nvGrpSpPr>
+        <p:cNvPr id="1" name=""/>
+        <p:cNvGrpSpPr/>
+        <p:nvPr/>
+      </p:nvGrpSpPr>
+      <p:grpSpPr>
+        <a:xfrm>
+          <a:off x="0" y="0"/>
+          <a:ext cx="0" cy="0"/>
+          <a:chOff x="0" y="0"/>
+          <a:chExt cx="0" cy="0"/>
+        </a:xfrm>
+      </p:grpSpPr>
+      <p:sp>
+        <p:nvSpPr>
+          <p:cNvPr id="2" name="Title 1"/>
+          <p:cNvSpPr>
+            <a:spLocks noGrp="1"/>
+          </p:cNvSpPr>
+          <p:nvPr>
+            <p:ph type="title"/>
+          </p:nvPr>
+        </p:nvSpPr>
+        <p:spPr/>
+        <p:txBody>
+          <a:bodyPr/>
+          <a:lstStyle/>
+          <a:p>
+            <a:r>
+              <a:rPr lang="en-US" dirty="0"/>
+              <a:t>Aiding Voltage Sources</a:t>
+            </a:r>
+          </a:p>
+        </p:txBody>
+      </p:sp>
+      <p:sp>
+        <p:nvSpPr>
+          <p:cNvPr id="3" name="Content Placeholder 2"/>
+          <p:cNvSpPr>
+            <a:spLocks noGrp="1"/>
+          </p:cNvSpPr>
+          <p:nvPr>
+            <p:ph idx="1"/>
+          </p:nvPr>
+        </p:nvSpPr>
+        <p:spPr/>
+        <p:txBody>
+          <a:bodyPr/>
+          <a:lstStyle/>
+          <a:p>
+            <a:pPr>
+              <a:buFont typeface="Wingdings" panose="05000000000000000000" pitchFamily="2" charset="2"/>
+              <a:buChar char="§"/>
+            </a:pPr>
+            <a:r>
+              <a:rPr lang="en-US" dirty="0"/>
+              <a:t> Energy sources are often connected in series</a:t>
+            </a:r>
+          </a:p>
+          <a:p>
+            <a:pPr>
+              <a:buFont typeface="Wingdings" panose="05000000000000000000" pitchFamily="2" charset="2"/>
+              <a:buChar char="§"/>
+            </a:pPr>
+            <a:r>
+              <a:rPr lang="en-US" dirty="0"/>
+              <a:t> Even if the circuit is a parallel and series circuit , the energy source will often still be in series</a:t>
+            </a:r>
+          </a:p>
+          <a:p>
+            <a:pPr>
+              <a:buFont typeface="Wingdings" panose="05000000000000000000" pitchFamily="2" charset="2"/>
+              <a:buChar char="§"/>
+            </a:pPr>
+            <a:r>
+              <a:rPr lang="en-US" dirty="0"/>
+              <a:t> The series connection affects the total voltage and total current</a:t>
+            </a:r>
+          </a:p>
+          <a:p>
+            <a:pPr lvl="1">
+              <a:buFont typeface="Wingdings" panose="05000000000000000000" pitchFamily="2" charset="2"/>
+              <a:buChar char="§"/>
+            </a:pPr>
+            <a:r>
+              <a:rPr lang="en-US" dirty="0"/>
+              <a:t>Based off of Ohm’s Law</a:t>
+            </a:r>
+          </a:p>
+          <a:p>
+            <a:pPr>
+              <a:buFont typeface="Wingdings" panose="05000000000000000000" pitchFamily="2" charset="2"/>
+              <a:buChar char="§"/>
+            </a:pPr>
+            <a:r>
+              <a:rPr lang="en-US" dirty="0"/>
+              <a:t> When connected in series the </a:t>
+            </a:r>
+            <a:r>
+              <a:rPr lang="en-US" b="1" dirty="0"/>
+              <a:t>total voltage is equal to the </a:t>
+            </a:r>
+            <a:r>
+              <a:rPr lang="en-US" b="1" u="sng" dirty="0"/>
+              <a:t>sum</a:t>
+            </a:r>
+            <a:r>
+              <a:rPr lang="en-US" b="1" dirty="0"/>
+              <a:t> of the individual voltages</a:t>
+            </a:r>
+          </a:p>
+          <a:p>
+            <a:pPr>
+              <a:buFont typeface="Wingdings" panose="05000000000000000000" pitchFamily="2" charset="2"/>
+              <a:buChar char="§"/>
+            </a:pPr>
+            <a:r>
+              <a:rPr lang="en-US" dirty="0"/>
+              <a:t> Batteries are typically connected in the way</a:t>
+            </a:r>
+          </a:p>
+          <a:p>
+            <a:pPr>
+              <a:buFont typeface="Wingdings" panose="05000000000000000000" pitchFamily="2" charset="2"/>
+              <a:buChar char="§"/>
+            </a:pPr>
+            <a:r>
+              <a:rPr lang="en-US" dirty="0"/>
+              <a:t> Connected so the current flows in the same direction and most of the time if we are using batteries this is the way they are set up.</a:t>
+            </a:r>
+          </a:p>
+          <a:p>
+            <a:pPr lvl="1">
+              <a:buFont typeface="Wingdings" panose="05000000000000000000" pitchFamily="2" charset="2"/>
+              <a:buChar char="§"/>
+            </a:pPr>
+            <a:r>
+              <a:rPr lang="en-US" dirty="0"/>
+              <a:t>Positive terminal of one cell is connected to the negative terminal of the next cell</a:t>
+            </a:r>
+          </a:p>
+        </p:txBody>
+      </p:sp>
+      <p:sp>
+        <p:nvSpPr>
+          <p:cNvPr id="4" name="Footer Placeholder 3"/>
+          <p:cNvSpPr>
+            <a:spLocks noGrp="1"/>
+          </p:cNvSpPr>
+          <p:nvPr>
+            <p:ph type="ftr" sz="quarter" idx="11"/>
+          </p:nvPr>
+        </p:nvSpPr>
+        <p:spPr/>
+        <p:txBody>
+          <a:bodyPr/>
+          <a:lstStyle/>
+          <a:p>
+            <a:r>
+              <a:rPr lang="en-US"/>
+              <a:t>Add a footer</a:t>
+            </a:r>
+            <a:endParaRPr lang="en-US" dirty="0"/>
+          </a:p>
+        </p:txBody>
+      </p:sp>
+    </p:spTree>
+    <p:extLst>
+      <p:ext uri="{BB962C8B-B14F-4D97-AF65-F5344CB8AC3E}">
+        <p14:creationId xmlns:p14="http://schemas.microsoft.com/office/powerpoint/2010/main" val="3203196836"/>
+      </p:ext>
+    </p:extLst>
+  </p:cSld>
+  <p:clrMapOvr>
+    <a:masterClrMapping/>
+  </p:clrMapOvr>
+  <mc:AlternateContent xmlns:mc="http://schemas.openxmlformats.org/markup-compatibility/2006" xmlns:p14="http://schemas.microsoft.com/office/powerpoint/2010/main">
+    <mc:Choice Requires="p14">
+      <p:transition spd="med" p14:dur="700">
+        <p:fade/>
+      </p:transition>
+    </mc:Choice>
+    <mc:Fallback xmlns="">
+      <p:transition spd="med">
+        <p:fade/>
+      </p:transition>
+    </mc:Fallback>
+  </mc:AlternateContent>
 </p:sld>
 </file>
 
@@ -7244,16 +7085,15 @@
           <a:lstStyle/>
           <a:p>
             <a:r>
-              <a:rPr lang="en-US" dirty="0" smtClean="0"/>
-              <a:t>Problem 1 Cont.</a:t>
-            </a:r>
-            <a:endParaRPr lang="en-US" dirty="0"/>
-          </a:p>
-        </p:txBody>
-      </p:sp>
-      <p:sp>
-        <p:nvSpPr>
-          <p:cNvPr id="4" name="Footer Placeholder 3"/>
+              <a:rPr lang="en-US" dirty="0"/>
+              <a:t>Problem 1</a:t>
+            </a:r>
+          </a:p>
+        </p:txBody>
+      </p:sp>
+      <p:sp>
+        <p:nvSpPr>
+          <p:cNvPr id="3" name="Footer Placeholder 2"/>
           <p:cNvSpPr>
             <a:spLocks noGrp="1"/>
           </p:cNvSpPr>
@@ -7267,7 +7107,7 @@
           <a:lstStyle/>
           <a:p>
             <a:r>
-              <a:rPr lang="en-US" smtClean="0"/>
+              <a:rPr lang="en-US"/>
               <a:t>Add a footer</a:t>
             </a:r>
             <a:endParaRPr lang="en-US" dirty="0"/>
@@ -7277,7 +7117,7 @@
     </p:spTree>
     <p:extLst>
       <p:ext uri="{BB962C8B-B14F-4D97-AF65-F5344CB8AC3E}">
-        <p14:creationId xmlns:p14="http://schemas.microsoft.com/office/powerpoint/2010/main" val="1443981773"/>
+        <p14:creationId xmlns:p14="http://schemas.microsoft.com/office/powerpoint/2010/main" val="2834002298"/>
       </p:ext>
     </p:extLst>
   </p:cSld>
@@ -7323,25 +7163,86 @@
             <a:spLocks noGrp="1"/>
           </p:cNvSpPr>
           <p:nvPr>
-            <p:ph type="ctrTitle"/>
-          </p:nvPr>
-        </p:nvSpPr>
-        <p:spPr/>
-        <p:txBody>
-          <a:bodyPr/>
-          <a:lstStyle/>
-          <a:p>
-            <a:r>
-              <a:rPr lang="en-US" dirty="0" smtClean="0"/>
-              <a:t>Aiding and Opposing Voltage Sources</a:t>
-            </a:r>
-            <a:endParaRPr lang="en-US" dirty="0"/>
-          </a:p>
-        </p:txBody>
-      </p:sp>
-      <p:sp>
-        <p:nvSpPr>
-          <p:cNvPr id="4" name="Footer Placeholder 3"/>
+            <p:ph type="title"/>
+          </p:nvPr>
+        </p:nvSpPr>
+        <p:spPr/>
+        <p:txBody>
+          <a:bodyPr/>
+          <a:lstStyle/>
+          <a:p>
+            <a:r>
+              <a:rPr lang="en-US" dirty="0"/>
+              <a:t>Opposing Voltage Sources</a:t>
+            </a:r>
+          </a:p>
+        </p:txBody>
+      </p:sp>
+      <p:sp>
+        <p:nvSpPr>
+          <p:cNvPr id="4" name="Content Placeholder 3"/>
+          <p:cNvSpPr>
+            <a:spLocks noGrp="1"/>
+          </p:cNvSpPr>
+          <p:nvPr>
+            <p:ph idx="1"/>
+          </p:nvPr>
+        </p:nvSpPr>
+        <p:spPr/>
+        <p:txBody>
+          <a:bodyPr/>
+          <a:lstStyle/>
+          <a:p>
+            <a:pPr>
+              <a:buFont typeface="Wingdings" panose="05000000000000000000" pitchFamily="2" charset="2"/>
+              <a:buChar char="§"/>
+            </a:pPr>
+            <a:r>
+              <a:rPr lang="en-US" dirty="0"/>
+              <a:t> Energy sources sometimes are connected so that the polarity oppose each other</a:t>
+            </a:r>
+          </a:p>
+          <a:p>
+            <a:pPr>
+              <a:buFont typeface="Wingdings" panose="05000000000000000000" pitchFamily="2" charset="2"/>
+              <a:buChar char="§"/>
+            </a:pPr>
+            <a:r>
+              <a:rPr lang="en-US" dirty="0"/>
+              <a:t> When this happens the voltage opposes each other resulting in a load that is different between the two sources</a:t>
+            </a:r>
+          </a:p>
+          <a:p>
+            <a:pPr>
+              <a:buFont typeface="Wingdings" panose="05000000000000000000" pitchFamily="2" charset="2"/>
+              <a:buChar char="§"/>
+            </a:pPr>
+            <a:r>
+              <a:rPr lang="en-US" dirty="0"/>
+              <a:t> It has no practical use and is usually avoided</a:t>
+            </a:r>
+          </a:p>
+          <a:p>
+            <a:pPr>
+              <a:buFont typeface="Wingdings" panose="05000000000000000000" pitchFamily="2" charset="2"/>
+              <a:buChar char="§"/>
+            </a:pPr>
+            <a:r>
+              <a:rPr lang="en-US" dirty="0"/>
+              <a:t> Mentioned here because an inexperienced person may inadvertently connect cells in this way.</a:t>
+            </a:r>
+          </a:p>
+          <a:p>
+            <a:pPr marL="0" indent="0">
+              <a:buNone/>
+            </a:pPr>
+            <a:endParaRPr lang="en-US" dirty="0"/>
+          </a:p>
+        </p:txBody>
+      </p:sp>
+      <p:sp>
+        <p:nvSpPr>
+          <p:cNvPr id="3" name="Footer Placeholder 2"/>
           <p:cNvSpPr>
             <a:spLocks noGrp="1"/>
           </p:cNvSpPr>
@@ -7355,7 +7256,7 @@
           <a:lstStyle/>
           <a:p>
             <a:r>
-              <a:rPr lang="en-US" smtClean="0"/>
+              <a:rPr lang="en-US"/>
               <a:t>Add a footer</a:t>
             </a:r>
             <a:endParaRPr lang="en-US" dirty="0"/>
@@ -7365,7 +7266,7 @@
     </p:spTree>
     <p:extLst>
       <p:ext uri="{BB962C8B-B14F-4D97-AF65-F5344CB8AC3E}">
-        <p14:creationId xmlns:p14="http://schemas.microsoft.com/office/powerpoint/2010/main" val="1005114289"/>
+        <p14:creationId xmlns:p14="http://schemas.microsoft.com/office/powerpoint/2010/main" val="1969958022"/>
       </p:ext>
     </p:extLst>
   </p:cSld>
@@ -7420,153 +7321,15 @@
           <a:lstStyle/>
           <a:p>
             <a:r>
-              <a:rPr lang="en-US" dirty="0" smtClean="0"/>
-              <a:t>Aiding Voltage Sources</a:t>
-            </a:r>
-            <a:endParaRPr lang="en-US" dirty="0"/>
-          </a:p>
-        </p:txBody>
-      </p:sp>
-      <p:sp>
-        <p:nvSpPr>
-          <p:cNvPr id="3" name="Content Placeholder 2"/>
-          <p:cNvSpPr>
-            <a:spLocks noGrp="1"/>
-          </p:cNvSpPr>
-          <p:nvPr>
-            <p:ph idx="1"/>
-          </p:nvPr>
-        </p:nvSpPr>
-        <p:spPr/>
-        <p:txBody>
-          <a:bodyPr/>
-          <a:lstStyle/>
-          <a:p>
-            <a:pPr>
-              <a:buFont typeface="Wingdings" panose="05000000000000000000" pitchFamily="2" charset="2"/>
-              <a:buChar char="§"/>
-            </a:pPr>
-            <a:r>
-              <a:rPr lang="en-US" dirty="0" smtClean="0"/>
-              <a:t> Energy sources are often connected in series</a:t>
-            </a:r>
-          </a:p>
-          <a:p>
-            <a:pPr>
-              <a:buFont typeface="Wingdings" panose="05000000000000000000" pitchFamily="2" charset="2"/>
-              <a:buChar char="§"/>
-            </a:pPr>
-            <a:r>
               <a:rPr lang="en-US" dirty="0"/>
-              <a:t> </a:t>
-            </a:r>
-            <a:r>
-              <a:rPr lang="en-US" dirty="0" smtClean="0"/>
-              <a:t>Even if the circuit is a parallel and series circuit , the energy source will often still be in series</a:t>
-            </a:r>
-          </a:p>
-          <a:p>
-            <a:pPr>
-              <a:buFont typeface="Wingdings" panose="05000000000000000000" pitchFamily="2" charset="2"/>
-              <a:buChar char="§"/>
-            </a:pPr>
-            <a:r>
-              <a:rPr lang="en-US" dirty="0"/>
-              <a:t> </a:t>
-            </a:r>
-            <a:r>
-              <a:rPr lang="en-US" dirty="0" smtClean="0"/>
-              <a:t>The series connection affects the total voltage and total current</a:t>
-            </a:r>
-          </a:p>
-          <a:p>
-            <a:pPr lvl="1">
-              <a:buFont typeface="Wingdings" panose="05000000000000000000" pitchFamily="2" charset="2"/>
-              <a:buChar char="§"/>
-            </a:pPr>
-            <a:r>
-              <a:rPr lang="en-US" dirty="0" smtClean="0"/>
-              <a:t>Based off of Ohm’s Law</a:t>
-            </a:r>
-          </a:p>
-          <a:p>
-            <a:pPr>
-              <a:buFont typeface="Wingdings" panose="05000000000000000000" pitchFamily="2" charset="2"/>
-              <a:buChar char="§"/>
-            </a:pPr>
-            <a:r>
-              <a:rPr lang="en-US" dirty="0"/>
-              <a:t> </a:t>
-            </a:r>
-            <a:r>
-              <a:rPr lang="en-US" dirty="0" smtClean="0"/>
-              <a:t>When connected in series the </a:t>
-            </a:r>
-            <a:r>
-              <a:rPr lang="en-US" b="1" dirty="0" smtClean="0"/>
-              <a:t>total voltage is equal to the </a:t>
-            </a:r>
-            <a:r>
-              <a:rPr lang="en-US" b="1" u="sng" dirty="0" smtClean="0"/>
-              <a:t>sum</a:t>
-            </a:r>
-            <a:r>
-              <a:rPr lang="en-US" b="1" dirty="0" smtClean="0"/>
-              <a:t> of the individual voltages</a:t>
-            </a:r>
-          </a:p>
-          <a:p>
-            <a:pPr>
-              <a:buFont typeface="Wingdings" panose="05000000000000000000" pitchFamily="2" charset="2"/>
-              <a:buChar char="§"/>
-            </a:pPr>
-            <a:r>
-              <a:rPr lang="en-US" dirty="0"/>
-              <a:t> </a:t>
-            </a:r>
-            <a:r>
-              <a:rPr lang="en-US" dirty="0" smtClean="0"/>
-              <a:t>Batteries are typically connected in the way</a:t>
-            </a:r>
-          </a:p>
-          <a:p>
-            <a:pPr>
-              <a:buFont typeface="Wingdings" panose="05000000000000000000" pitchFamily="2" charset="2"/>
-              <a:buChar char="§"/>
-            </a:pPr>
-            <a:r>
-              <a:rPr lang="en-US" dirty="0"/>
-              <a:t> </a:t>
-            </a:r>
-            <a:r>
-              <a:rPr lang="en-US" dirty="0" smtClean="0"/>
-              <a:t>Connected </a:t>
-            </a:r>
-            <a:r>
-              <a:rPr lang="en-US" dirty="0"/>
-              <a:t>so the current flows in the same direction and most of the time if we are using batteries this is the way they are set up</a:t>
-            </a:r>
-            <a:r>
-              <a:rPr lang="en-US" dirty="0" smtClean="0"/>
-              <a:t>.</a:t>
-            </a:r>
-          </a:p>
-          <a:p>
-            <a:pPr lvl="1">
-              <a:buFont typeface="Wingdings" panose="05000000000000000000" pitchFamily="2" charset="2"/>
-              <a:buChar char="§"/>
-            </a:pPr>
-            <a:r>
-              <a:rPr lang="en-US" dirty="0" smtClean="0"/>
-              <a:t>Positive terminal of one cell is connected to the negative terminal of the next cell</a:t>
-            </a:r>
-            <a:endParaRPr lang="en-US" dirty="0"/>
-          </a:p>
-        </p:txBody>
-      </p:sp>
-      <p:sp>
-        <p:nvSpPr>
-          <p:cNvPr id="4" name="Footer Placeholder 3"/>
+              <a:t>Problem 2</a:t>
+            </a:r>
+          </a:p>
+        </p:txBody>
+      </p:sp>
+      <p:sp>
+        <p:nvSpPr>
+          <p:cNvPr id="3" name="Footer Placeholder 2"/>
           <p:cNvSpPr>
             <a:spLocks noGrp="1"/>
           </p:cNvSpPr>
@@ -7580,7 +7343,7 @@
           <a:lstStyle/>
           <a:p>
             <a:r>
-              <a:rPr lang="en-US" smtClean="0"/>
+              <a:rPr lang="en-US"/>
               <a:t>Add a footer</a:t>
             </a:r>
             <a:endParaRPr lang="en-US" dirty="0"/>
@@ -7590,7 +7353,7 @@
     </p:spTree>
     <p:extLst>
       <p:ext uri="{BB962C8B-B14F-4D97-AF65-F5344CB8AC3E}">
-        <p14:creationId xmlns:p14="http://schemas.microsoft.com/office/powerpoint/2010/main" val="3203196836"/>
+        <p14:creationId xmlns:p14="http://schemas.microsoft.com/office/powerpoint/2010/main" val="208401870"/>
       </p:ext>
     </p:extLst>
   </p:cSld>
@@ -7645,10 +7408,63 @@
           <a:lstStyle/>
           <a:p>
             <a:r>
-              <a:rPr lang="en-US" dirty="0" smtClean="0"/>
-              <a:t>Problem 1</a:t>
-            </a:r>
-            <a:endParaRPr lang="en-US" dirty="0"/>
+              <a:rPr lang="en-US" dirty="0"/>
+              <a:t>Schematic Symbols</a:t>
+            </a:r>
+          </a:p>
+        </p:txBody>
+      </p:sp>
+      <p:sp>
+        <p:nvSpPr>
+          <p:cNvPr id="5" name="Content Placeholder 4"/>
+          <p:cNvSpPr>
+            <a:spLocks noGrp="1"/>
+          </p:cNvSpPr>
+          <p:nvPr>
+            <p:ph sz="half" idx="1"/>
+          </p:nvPr>
+        </p:nvSpPr>
+        <p:spPr/>
+        <p:txBody>
+          <a:bodyPr/>
+          <a:lstStyle/>
+          <a:p>
+            <a:pPr algn="ctr"/>
+            <a:endParaRPr lang="en-US" dirty="0"/>
+          </a:p>
+          <a:p>
+            <a:pPr algn="ctr"/>
+            <a:r>
+              <a:rPr lang="en-US" dirty="0"/>
+              <a:t>BATTERY</a:t>
+            </a:r>
+          </a:p>
+        </p:txBody>
+      </p:sp>
+      <p:sp>
+        <p:nvSpPr>
+          <p:cNvPr id="6" name="Content Placeholder 5"/>
+          <p:cNvSpPr>
+            <a:spLocks noGrp="1"/>
+          </p:cNvSpPr>
+          <p:nvPr>
+            <p:ph sz="half" idx="2"/>
+          </p:nvPr>
+        </p:nvSpPr>
+        <p:spPr/>
+        <p:txBody>
+          <a:bodyPr/>
+          <a:lstStyle/>
+          <a:p>
+            <a:pPr algn="ctr"/>
+            <a:endParaRPr lang="en-US" dirty="0"/>
+          </a:p>
+          <a:p>
+            <a:pPr algn="ctr"/>
+            <a:r>
+              <a:rPr lang="en-US" dirty="0"/>
+              <a:t>RESISTOR</a:t>
+            </a:r>
           </a:p>
         </p:txBody>
       </p:sp>
@@ -7668,414 +7484,7 @@
           <a:lstStyle/>
           <a:p>
             <a:r>
-              <a:rPr lang="en-US" smtClean="0"/>
-              <a:t>Add a footer</a:t>
-            </a:r>
-            <a:endParaRPr lang="en-US" dirty="0"/>
-          </a:p>
-        </p:txBody>
-      </p:sp>
-    </p:spTree>
-    <p:extLst>
-      <p:ext uri="{BB962C8B-B14F-4D97-AF65-F5344CB8AC3E}">
-        <p14:creationId xmlns:p14="http://schemas.microsoft.com/office/powerpoint/2010/main" val="2834002298"/>
-      </p:ext>
-    </p:extLst>
-  </p:cSld>
-  <p:clrMapOvr>
-    <a:masterClrMapping/>
-  </p:clrMapOvr>
-  <mc:AlternateContent xmlns:mc="http://schemas.openxmlformats.org/markup-compatibility/2006" xmlns:p14="http://schemas.microsoft.com/office/powerpoint/2010/main">
-    <mc:Choice Requires="p14">
-      <p:transition spd="med" p14:dur="700">
-        <p:fade/>
-      </p:transition>
-    </mc:Choice>
-    <mc:Fallback xmlns="">
-      <p:transition spd="med">
-        <p:fade/>
-      </p:transition>
-    </mc:Fallback>
-  </mc:AlternateContent>
-</p:sld>
-</file>
-
-<file path=ppt/slides/slide27.xml><?xml version="1.0" encoding="utf-8"?>
-<p:sld xmlns:a="http://schemas.openxmlformats.org/drawingml/2006/main" xmlns:r="http://schemas.openxmlformats.org/officeDocument/2006/relationships" xmlns:p="http://schemas.openxmlformats.org/presentationml/2006/main">
-  <p:cSld>
-    <p:spTree>
-      <p:nvGrpSpPr>
-        <p:cNvPr id="1" name=""/>
-        <p:cNvGrpSpPr/>
-        <p:nvPr/>
-      </p:nvGrpSpPr>
-      <p:grpSpPr>
-        <a:xfrm>
-          <a:off x="0" y="0"/>
-          <a:ext cx="0" cy="0"/>
-          <a:chOff x="0" y="0"/>
-          <a:chExt cx="0" cy="0"/>
-        </a:xfrm>
-      </p:grpSpPr>
-      <p:sp>
-        <p:nvSpPr>
-          <p:cNvPr id="2" name="Title 1"/>
-          <p:cNvSpPr>
-            <a:spLocks noGrp="1"/>
-          </p:cNvSpPr>
-          <p:nvPr>
-            <p:ph type="title"/>
-          </p:nvPr>
-        </p:nvSpPr>
-        <p:spPr/>
-        <p:txBody>
-          <a:bodyPr/>
-          <a:lstStyle/>
-          <a:p>
-            <a:r>
-              <a:rPr lang="en-US" dirty="0" smtClean="0"/>
-              <a:t>Opposing Voltage Sources</a:t>
-            </a:r>
-            <a:endParaRPr lang="en-US" dirty="0"/>
-          </a:p>
-        </p:txBody>
-      </p:sp>
-      <p:sp>
-        <p:nvSpPr>
-          <p:cNvPr id="4" name="Content Placeholder 3"/>
-          <p:cNvSpPr>
-            <a:spLocks noGrp="1"/>
-          </p:cNvSpPr>
-          <p:nvPr>
-            <p:ph idx="1"/>
-          </p:nvPr>
-        </p:nvSpPr>
-        <p:spPr/>
-        <p:txBody>
-          <a:bodyPr/>
-          <a:lstStyle/>
-          <a:p>
-            <a:pPr>
-              <a:buFont typeface="Wingdings" panose="05000000000000000000" pitchFamily="2" charset="2"/>
-              <a:buChar char="§"/>
-            </a:pPr>
-            <a:r>
-              <a:rPr lang="en-US" dirty="0" smtClean="0"/>
-              <a:t> Energy sources sometimes are connected so that the polarity oppose each other</a:t>
-            </a:r>
-          </a:p>
-          <a:p>
-            <a:pPr>
-              <a:buFont typeface="Wingdings" panose="05000000000000000000" pitchFamily="2" charset="2"/>
-              <a:buChar char="§"/>
-            </a:pPr>
-            <a:r>
-              <a:rPr lang="en-US" dirty="0"/>
-              <a:t> </a:t>
-            </a:r>
-            <a:r>
-              <a:rPr lang="en-US" dirty="0" smtClean="0"/>
-              <a:t>When this happens the voltage opposes each other resulting in a load that is different between the two sources</a:t>
-            </a:r>
-          </a:p>
-          <a:p>
-            <a:pPr>
-              <a:buFont typeface="Wingdings" panose="05000000000000000000" pitchFamily="2" charset="2"/>
-              <a:buChar char="§"/>
-            </a:pPr>
-            <a:r>
-              <a:rPr lang="en-US" dirty="0"/>
-              <a:t> </a:t>
-            </a:r>
-            <a:r>
-              <a:rPr lang="en-US" dirty="0" smtClean="0"/>
-              <a:t>It </a:t>
-            </a:r>
-            <a:r>
-              <a:rPr lang="en-US" dirty="0"/>
-              <a:t>has no practical use and is usually </a:t>
-            </a:r>
-            <a:r>
-              <a:rPr lang="en-US" dirty="0" smtClean="0"/>
-              <a:t>avoided</a:t>
-            </a:r>
-          </a:p>
-          <a:p>
-            <a:pPr>
-              <a:buFont typeface="Wingdings" panose="05000000000000000000" pitchFamily="2" charset="2"/>
-              <a:buChar char="§"/>
-            </a:pPr>
-            <a:r>
-              <a:rPr lang="en-US" dirty="0"/>
-              <a:t> </a:t>
-            </a:r>
-            <a:r>
-              <a:rPr lang="en-US" dirty="0" smtClean="0"/>
-              <a:t>Mentioned </a:t>
-            </a:r>
-            <a:r>
-              <a:rPr lang="en-US" dirty="0"/>
-              <a:t>here because an inexperienced person may inadvertently connect cells in this way.</a:t>
-            </a:r>
-            <a:endParaRPr lang="en-US" dirty="0" smtClean="0"/>
-          </a:p>
-          <a:p>
-            <a:pPr marL="0" indent="0">
-              <a:buNone/>
-            </a:pPr>
-            <a:endParaRPr lang="en-US" dirty="0"/>
-          </a:p>
-        </p:txBody>
-      </p:sp>
-      <p:sp>
-        <p:nvSpPr>
-          <p:cNvPr id="3" name="Footer Placeholder 2"/>
-          <p:cNvSpPr>
-            <a:spLocks noGrp="1"/>
-          </p:cNvSpPr>
-          <p:nvPr>
-            <p:ph type="ftr" sz="quarter" idx="11"/>
-          </p:nvPr>
-        </p:nvSpPr>
-        <p:spPr/>
-        <p:txBody>
-          <a:bodyPr/>
-          <a:lstStyle/>
-          <a:p>
-            <a:r>
-              <a:rPr lang="en-US" smtClean="0"/>
-              <a:t>Add a footer</a:t>
-            </a:r>
-            <a:endParaRPr lang="en-US" dirty="0"/>
-          </a:p>
-        </p:txBody>
-      </p:sp>
-    </p:spTree>
-    <p:extLst>
-      <p:ext uri="{BB962C8B-B14F-4D97-AF65-F5344CB8AC3E}">
-        <p14:creationId xmlns:p14="http://schemas.microsoft.com/office/powerpoint/2010/main" val="1969958022"/>
-      </p:ext>
-    </p:extLst>
-  </p:cSld>
-  <p:clrMapOvr>
-    <a:masterClrMapping/>
-  </p:clrMapOvr>
-  <mc:AlternateContent xmlns:mc="http://schemas.openxmlformats.org/markup-compatibility/2006" xmlns:p14="http://schemas.microsoft.com/office/powerpoint/2010/main">
-    <mc:Choice Requires="p14">
-      <p:transition spd="med" p14:dur="700">
-        <p:fade/>
-      </p:transition>
-    </mc:Choice>
-    <mc:Fallback xmlns="">
-      <p:transition spd="med">
-        <p:fade/>
-      </p:transition>
-    </mc:Fallback>
-  </mc:AlternateContent>
-</p:sld>
-</file>
-
-<file path=ppt/slides/slide28.xml><?xml version="1.0" encoding="utf-8"?>
-<p:sld xmlns:a="http://schemas.openxmlformats.org/drawingml/2006/main" xmlns:r="http://schemas.openxmlformats.org/officeDocument/2006/relationships" xmlns:p="http://schemas.openxmlformats.org/presentationml/2006/main">
-  <p:cSld>
-    <p:spTree>
-      <p:nvGrpSpPr>
-        <p:cNvPr id="1" name=""/>
-        <p:cNvGrpSpPr/>
-        <p:nvPr/>
-      </p:nvGrpSpPr>
-      <p:grpSpPr>
-        <a:xfrm>
-          <a:off x="0" y="0"/>
-          <a:ext cx="0" cy="0"/>
-          <a:chOff x="0" y="0"/>
-          <a:chExt cx="0" cy="0"/>
-        </a:xfrm>
-      </p:grpSpPr>
-      <p:sp>
-        <p:nvSpPr>
-          <p:cNvPr id="2" name="Title 1"/>
-          <p:cNvSpPr>
-            <a:spLocks noGrp="1"/>
-          </p:cNvSpPr>
-          <p:nvPr>
-            <p:ph type="title"/>
-          </p:nvPr>
-        </p:nvSpPr>
-        <p:spPr/>
-        <p:txBody>
-          <a:bodyPr/>
-          <a:lstStyle/>
-          <a:p>
-            <a:r>
-              <a:rPr lang="en-US" dirty="0" smtClean="0"/>
-              <a:t>Problem 2</a:t>
-            </a:r>
-            <a:endParaRPr lang="en-US" dirty="0"/>
-          </a:p>
-        </p:txBody>
-      </p:sp>
-      <p:sp>
-        <p:nvSpPr>
-          <p:cNvPr id="3" name="Footer Placeholder 2"/>
-          <p:cNvSpPr>
-            <a:spLocks noGrp="1"/>
-          </p:cNvSpPr>
-          <p:nvPr>
-            <p:ph type="ftr" sz="quarter" idx="11"/>
-          </p:nvPr>
-        </p:nvSpPr>
-        <p:spPr/>
-        <p:txBody>
-          <a:bodyPr/>
-          <a:lstStyle/>
-          <a:p>
-            <a:r>
-              <a:rPr lang="en-US" smtClean="0"/>
-              <a:t>Add a footer</a:t>
-            </a:r>
-            <a:endParaRPr lang="en-US" dirty="0"/>
-          </a:p>
-        </p:txBody>
-      </p:sp>
-    </p:spTree>
-    <p:extLst>
-      <p:ext uri="{BB962C8B-B14F-4D97-AF65-F5344CB8AC3E}">
-        <p14:creationId xmlns:p14="http://schemas.microsoft.com/office/powerpoint/2010/main" val="208401870"/>
-      </p:ext>
-    </p:extLst>
-  </p:cSld>
-  <p:clrMapOvr>
-    <a:masterClrMapping/>
-  </p:clrMapOvr>
-  <mc:AlternateContent xmlns:mc="http://schemas.openxmlformats.org/markup-compatibility/2006" xmlns:p14="http://schemas.microsoft.com/office/powerpoint/2010/main">
-    <mc:Choice Requires="p14">
-      <p:transition spd="med" p14:dur="700">
-        <p:fade/>
-      </p:transition>
-    </mc:Choice>
-    <mc:Fallback xmlns="">
-      <p:transition spd="med">
-        <p:fade/>
-      </p:transition>
-    </mc:Fallback>
-  </mc:AlternateContent>
-</p:sld>
-</file>
-
-<file path=ppt/slides/slide29.xml><?xml version="1.0" encoding="utf-8"?>
-<p:sld xmlns:a="http://schemas.openxmlformats.org/drawingml/2006/main" xmlns:r="http://schemas.openxmlformats.org/officeDocument/2006/relationships" xmlns:p="http://schemas.openxmlformats.org/presentationml/2006/main">
-  <p:cSld>
-    <p:spTree>
-      <p:nvGrpSpPr>
-        <p:cNvPr id="1" name=""/>
-        <p:cNvGrpSpPr/>
-        <p:nvPr/>
-      </p:nvGrpSpPr>
-      <p:grpSpPr>
-        <a:xfrm>
-          <a:off x="0" y="0"/>
-          <a:ext cx="0" cy="0"/>
-          <a:chOff x="0" y="0"/>
-          <a:chExt cx="0" cy="0"/>
-        </a:xfrm>
-      </p:grpSpPr>
-      <p:sp>
-        <p:nvSpPr>
-          <p:cNvPr id="2" name="Title 1"/>
-          <p:cNvSpPr>
-            <a:spLocks noGrp="1"/>
-          </p:cNvSpPr>
-          <p:nvPr>
-            <p:ph type="title"/>
-          </p:nvPr>
-        </p:nvSpPr>
-        <p:spPr/>
-        <p:txBody>
-          <a:bodyPr/>
-          <a:lstStyle/>
-          <a:p>
-            <a:r>
-              <a:rPr lang="en-US" dirty="0" smtClean="0"/>
-              <a:t>Schematic Symbols</a:t>
-            </a:r>
-            <a:endParaRPr lang="en-US" dirty="0"/>
-          </a:p>
-        </p:txBody>
-      </p:sp>
-      <p:sp>
-        <p:nvSpPr>
-          <p:cNvPr id="5" name="Content Placeholder 4"/>
-          <p:cNvSpPr>
-            <a:spLocks noGrp="1"/>
-          </p:cNvSpPr>
-          <p:nvPr>
-            <p:ph sz="half" idx="1"/>
-          </p:nvPr>
-        </p:nvSpPr>
-        <p:spPr/>
-        <p:txBody>
-          <a:bodyPr/>
-          <a:lstStyle/>
-          <a:p>
-            <a:pPr algn="ctr"/>
-            <a:endParaRPr lang="en-US" dirty="0" smtClean="0"/>
-          </a:p>
-          <a:p>
-            <a:pPr algn="ctr"/>
-            <a:r>
-              <a:rPr lang="en-US" dirty="0" smtClean="0"/>
-              <a:t>BATTERY</a:t>
-            </a:r>
-            <a:endParaRPr lang="en-US" dirty="0"/>
-          </a:p>
-        </p:txBody>
-      </p:sp>
-      <p:sp>
-        <p:nvSpPr>
-          <p:cNvPr id="6" name="Content Placeholder 5"/>
-          <p:cNvSpPr>
-            <a:spLocks noGrp="1"/>
-          </p:cNvSpPr>
-          <p:nvPr>
-            <p:ph sz="half" idx="2"/>
-          </p:nvPr>
-        </p:nvSpPr>
-        <p:spPr/>
-        <p:txBody>
-          <a:bodyPr/>
-          <a:lstStyle/>
-          <a:p>
-            <a:pPr algn="ctr"/>
-            <a:endParaRPr lang="en-US" dirty="0" smtClean="0"/>
-          </a:p>
-          <a:p>
-            <a:pPr algn="ctr"/>
-            <a:r>
-              <a:rPr lang="en-US" dirty="0" smtClean="0"/>
-              <a:t>RESISTOR</a:t>
-            </a:r>
-            <a:endParaRPr lang="en-US" dirty="0"/>
-          </a:p>
-        </p:txBody>
-      </p:sp>
-      <p:sp>
-        <p:nvSpPr>
-          <p:cNvPr id="3" name="Footer Placeholder 2"/>
-          <p:cNvSpPr>
-            <a:spLocks noGrp="1"/>
-          </p:cNvSpPr>
-          <p:nvPr>
-            <p:ph type="ftr" sz="quarter" idx="11"/>
-          </p:nvPr>
-        </p:nvSpPr>
-        <p:spPr/>
-        <p:txBody>
-          <a:bodyPr/>
-          <a:lstStyle/>
-          <a:p>
-            <a:r>
-              <a:rPr lang="en-US" smtClean="0"/>
+              <a:rPr lang="en-US"/>
               <a:t>Add a footer</a:t>
             </a:r>
             <a:endParaRPr lang="en-US" dirty="0"/>
@@ -8172,7 +7581,7 @@
 </p:sld>
 </file>
 
-<file path=ppt/slides/slide3.xml><?xml version="1.0" encoding="utf-8"?>
+<file path=ppt/slides/slide27.xml><?xml version="1.0" encoding="utf-8"?>
 <p:sld xmlns:a="http://schemas.openxmlformats.org/drawingml/2006/main" xmlns:r="http://schemas.openxmlformats.org/officeDocument/2006/relationships" xmlns:p="http://schemas.openxmlformats.org/presentationml/2006/main">
   <p:cSld>
     <p:spTree>
@@ -8191,7 +7600,7 @@
       </p:grpSpPr>
       <p:sp>
         <p:nvSpPr>
-          <p:cNvPr id="2" name="Title 1"/>
+          <p:cNvPr id="4" name="Title 3"/>
           <p:cNvSpPr>
             <a:spLocks noGrp="1"/>
           </p:cNvSpPr>
@@ -8206,14 +7615,14 @@
           <a:p>
             <a:r>
               <a:rPr lang="en-US" dirty="0"/>
-              <a:t>The big idea</a:t>
-            </a:r>
-          </a:p>
-        </p:txBody>
-      </p:sp>
-      <p:sp>
-        <p:nvSpPr>
-          <p:cNvPr id="3" name="Content Placeholder 2"/>
+              <a:t>Problem 3</a:t>
+            </a:r>
+          </a:p>
+        </p:txBody>
+      </p:sp>
+      <p:sp>
+        <p:nvSpPr>
+          <p:cNvPr id="5" name="Content Placeholder 4"/>
           <p:cNvSpPr>
             <a:spLocks noGrp="1"/>
           </p:cNvSpPr>
@@ -8231,65 +7640,108 @@
               <a:buChar char="§"/>
             </a:pPr>
             <a:r>
-              <a:rPr lang="en-US" dirty="0">
-                <a:cs typeface="Arial" pitchFamily="34" charset="0"/>
-              </a:rPr>
-              <a:t> </a:t>
-            </a:r>
-            <a:r>
-              <a:rPr lang="en-US" dirty="0" smtClean="0">
-                <a:cs typeface="Arial" pitchFamily="34" charset="0"/>
-              </a:rPr>
-              <a:t>Ability to draw a series circuit, label each part, and identify part’s</a:t>
-            </a:r>
-          </a:p>
-          <a:p>
-            <a:pPr>
+              <a:rPr lang="en-US" dirty="0"/>
+              <a:t> On apiece of paper </a:t>
+            </a:r>
+            <a:r>
+              <a:rPr lang="en-US" b="1" dirty="0"/>
+              <a:t>DRAW </a:t>
+            </a:r>
+            <a:r>
+              <a:rPr lang="en-US" dirty="0"/>
+              <a:t>a series circuit with</a:t>
+            </a:r>
+          </a:p>
+          <a:p>
+            <a:pPr lvl="1">
               <a:buFont typeface="Wingdings" panose="05000000000000000000" pitchFamily="2" charset="2"/>
               <a:buChar char="§"/>
             </a:pPr>
             <a:r>
-              <a:rPr lang="en-US" dirty="0">
-                <a:cs typeface="Arial" pitchFamily="34" charset="0"/>
-              </a:rPr>
-              <a:t> </a:t>
-            </a:r>
-            <a:r>
-              <a:rPr lang="en-US" dirty="0" smtClean="0">
-                <a:cs typeface="Arial" pitchFamily="34" charset="0"/>
-              </a:rPr>
-              <a:t>Determine voltage drops</a:t>
-            </a:r>
-          </a:p>
-          <a:p>
-            <a:pPr>
+              <a:rPr lang="en-US" b="1" dirty="0"/>
+              <a:t>24-V source</a:t>
+            </a:r>
+          </a:p>
+          <a:p>
+            <a:pPr lvl="1">
               <a:buFont typeface="Wingdings" panose="05000000000000000000" pitchFamily="2" charset="2"/>
               <a:buChar char="§"/>
             </a:pPr>
             <a:r>
-              <a:rPr lang="en-US" dirty="0">
-                <a:cs typeface="Arial" pitchFamily="34" charset="0"/>
-              </a:rPr>
-              <a:t> </a:t>
-            </a:r>
-            <a:r>
-              <a:rPr lang="en-US" dirty="0" smtClean="0">
-                <a:cs typeface="Arial" pitchFamily="34" charset="0"/>
-              </a:rPr>
-              <a:t>Calculate voltage across the circuit</a:t>
-            </a:r>
-          </a:p>
-        </p:txBody>
-      </p:sp>
-      <p:sp>
-        <p:nvSpPr>
-          <p:cNvPr id="4" name="Footer Placeholder 3">
-            <a:extLst>
-              <a:ext uri="{FF2B5EF4-FFF2-40B4-BE49-F238E27FC236}">
-                <a16:creationId xmlns:a16="http://schemas.microsoft.com/office/drawing/2014/main" xmlns="" id="{EADFB87E-2A3F-4815-8F5E-3CF3521EBF24}"/>
-              </a:ext>
-            </a:extLst>
-          </p:cNvPr>
+              <a:rPr lang="en-US" b="1" dirty="0"/>
+              <a:t>Four resistors whose sum is 27 Ohms</a:t>
+            </a:r>
+          </a:p>
+          <a:p>
+            <a:pPr marL="201168" lvl="1" indent="0">
+              <a:buNone/>
+            </a:pPr>
+            <a:endParaRPr lang="en-US" b="1" dirty="0"/>
+          </a:p>
+          <a:p>
+            <a:pPr marL="201168" lvl="1" indent="0">
+              <a:buNone/>
+            </a:pPr>
+            <a:r>
+              <a:rPr lang="en-US" b="1" dirty="0"/>
+              <a:t>At the bottom of your piece of paper answer these questions:</a:t>
+            </a:r>
+          </a:p>
+          <a:p>
+            <a:pPr marL="201168" lvl="1" indent="0">
+              <a:buNone/>
+            </a:pPr>
+            <a:endParaRPr lang="en-US" b="1" dirty="0"/>
+          </a:p>
+          <a:p>
+            <a:pPr marL="544068" lvl="1" indent="-342900">
+              <a:buFont typeface="+mj-lt"/>
+              <a:buAutoNum type="arabicPeriod"/>
+            </a:pPr>
+            <a:r>
+              <a:rPr lang="en-US" b="1" dirty="0"/>
+              <a:t>What is the current in this circuit?</a:t>
+            </a:r>
+          </a:p>
+          <a:p>
+            <a:pPr marL="544068" lvl="1" indent="-342900">
+              <a:buFont typeface="+mj-lt"/>
+              <a:buAutoNum type="arabicPeriod"/>
+            </a:pPr>
+            <a:r>
+              <a:rPr lang="en-US" b="1" dirty="0"/>
+              <a:t>How many watts does the circuit use?</a:t>
+            </a:r>
+          </a:p>
+          <a:p>
+            <a:pPr marL="544068" lvl="1" indent="-342900">
+              <a:buFont typeface="+mj-lt"/>
+              <a:buAutoNum type="arabicPeriod"/>
+            </a:pPr>
+            <a:r>
+              <a:rPr lang="en-US" b="1" dirty="0"/>
+              <a:t>Determine the voltage drop across each resistor (R1,R2,R3,R4)</a:t>
+            </a:r>
+          </a:p>
+          <a:p>
+            <a:pPr lvl="1">
+              <a:buFont typeface="Wingdings" panose="05000000000000000000" pitchFamily="2" charset="2"/>
+              <a:buChar char="§"/>
+            </a:pPr>
+            <a:endParaRPr lang="en-US" b="1" dirty="0"/>
+          </a:p>
+          <a:p>
+            <a:pPr lvl="1">
+              <a:buFont typeface="Wingdings" panose="05000000000000000000" pitchFamily="2" charset="2"/>
+              <a:buChar char="§"/>
+            </a:pPr>
+            <a:endParaRPr lang="en-US" b="1" dirty="0"/>
+          </a:p>
+        </p:txBody>
+      </p:sp>
+      <p:sp>
+        <p:nvSpPr>
+          <p:cNvPr id="3" name="Footer Placeholder 2"/>
           <p:cNvSpPr>
             <a:spLocks noGrp="1"/>
           </p:cNvSpPr>
@@ -8303,16 +7755,17 @@
           <a:lstStyle/>
           <a:p>
             <a:r>
-              <a:rPr lang="en-US" dirty="0"/>
-              <a:t>Unit 1 – Section 1 - Day 1</a:t>
-            </a:r>
+              <a:rPr lang="en-US"/>
+              <a:t>Add a footer</a:t>
+            </a:r>
+            <a:endParaRPr lang="en-US" dirty="0"/>
           </a:p>
         </p:txBody>
       </p:sp>
     </p:spTree>
     <p:extLst>
       <p:ext uri="{BB962C8B-B14F-4D97-AF65-F5344CB8AC3E}">
-        <p14:creationId xmlns:p14="http://schemas.microsoft.com/office/powerpoint/2010/main" val="78530218"/>
+        <p14:creationId xmlns:p14="http://schemas.microsoft.com/office/powerpoint/2010/main" val="1351432529"/>
       </p:ext>
     </p:extLst>
   </p:cSld>
@@ -8334,7 +7787,7 @@
 </p:sld>
 </file>
 
-<file path=ppt/slides/slide30.xml><?xml version="1.0" encoding="utf-8"?>
+<file path=ppt/slides/slide3.xml><?xml version="1.0" encoding="utf-8"?>
 <p:sld xmlns:a="http://schemas.openxmlformats.org/drawingml/2006/main" xmlns:r="http://schemas.openxmlformats.org/officeDocument/2006/relationships" xmlns:p="http://schemas.openxmlformats.org/presentationml/2006/main">
   <p:cSld>
     <p:spTree>
@@ -8353,7 +7806,7 @@
       </p:grpSpPr>
       <p:sp>
         <p:nvSpPr>
-          <p:cNvPr id="4" name="Title 3"/>
+          <p:cNvPr id="2" name="Title 1"/>
           <p:cNvSpPr>
             <a:spLocks noGrp="1"/>
           </p:cNvSpPr>
@@ -8367,16 +7820,15 @@
           <a:lstStyle/>
           <a:p>
             <a:r>
-              <a:rPr lang="en-US" dirty="0" smtClean="0"/>
-              <a:t>Problem 3</a:t>
-            </a:r>
-            <a:endParaRPr lang="en-US" dirty="0"/>
-          </a:p>
-        </p:txBody>
-      </p:sp>
-      <p:sp>
-        <p:nvSpPr>
-          <p:cNvPr id="5" name="Content Placeholder 4"/>
+              <a:rPr lang="en-US" dirty="0"/>
+              <a:t>The big idea</a:t>
+            </a:r>
+          </a:p>
+        </p:txBody>
+      </p:sp>
+      <p:sp>
+        <p:nvSpPr>
+          <p:cNvPr id="3" name="Content Placeholder 2"/>
           <p:cNvSpPr>
             <a:spLocks noGrp="1"/>
           </p:cNvSpPr>
@@ -8394,108 +7846,47 @@
               <a:buChar char="§"/>
             </a:pPr>
             <a:r>
-              <a:rPr lang="en-US" dirty="0" smtClean="0"/>
-              <a:t> On apiece of paper </a:t>
-            </a:r>
-            <a:r>
-              <a:rPr lang="en-US" b="1" dirty="0" smtClean="0"/>
-              <a:t>DRAW </a:t>
-            </a:r>
-            <a:r>
-              <a:rPr lang="en-US" dirty="0" smtClean="0"/>
-              <a:t>a series circuit with</a:t>
-            </a:r>
-          </a:p>
-          <a:p>
-            <a:pPr lvl="1">
+              <a:rPr lang="en-US" dirty="0">
+                <a:cs typeface="Arial" pitchFamily="34" charset="0"/>
+              </a:rPr>
+              <a:t> Ability to draw a series circuit, label each part, and identify part’s</a:t>
+            </a:r>
+          </a:p>
+          <a:p>
+            <a:pPr>
               <a:buFont typeface="Wingdings" panose="05000000000000000000" pitchFamily="2" charset="2"/>
               <a:buChar char="§"/>
             </a:pPr>
             <a:r>
-              <a:rPr lang="en-US" b="1" dirty="0" smtClean="0"/>
-              <a:t>24-V source</a:t>
-            </a:r>
-          </a:p>
-          <a:p>
-            <a:pPr lvl="1">
+              <a:rPr lang="en-US" dirty="0">
+                <a:cs typeface="Arial" pitchFamily="34" charset="0"/>
+              </a:rPr>
+              <a:t> Determine voltage drops</a:t>
+            </a:r>
+          </a:p>
+          <a:p>
+            <a:pPr>
               <a:buFont typeface="Wingdings" panose="05000000000000000000" pitchFamily="2" charset="2"/>
               <a:buChar char="§"/>
             </a:pPr>
             <a:r>
-              <a:rPr lang="en-US" b="1" dirty="0" smtClean="0"/>
-              <a:t>Four resistors whose sum is 27 Ohms</a:t>
-            </a:r>
-          </a:p>
-          <a:p>
-            <a:pPr marL="201168" lvl="1" indent="0">
-              <a:buNone/>
-            </a:pPr>
-            <a:endParaRPr lang="en-US" b="1" dirty="0" smtClean="0"/>
-          </a:p>
-          <a:p>
-            <a:pPr marL="201168" lvl="1" indent="0">
-              <a:buNone/>
-            </a:pPr>
-            <a:r>
-              <a:rPr lang="en-US" b="1" dirty="0" smtClean="0"/>
-              <a:t>At the bottom of your piece of paper answer these questions:</a:t>
-            </a:r>
-          </a:p>
-          <a:p>
-            <a:pPr marL="201168" lvl="1" indent="0">
-              <a:buNone/>
-            </a:pPr>
-            <a:endParaRPr lang="en-US" b="1" dirty="0"/>
-          </a:p>
-          <a:p>
-            <a:pPr marL="544068" lvl="1" indent="-342900">
-              <a:buFont typeface="+mj-lt"/>
-              <a:buAutoNum type="arabicPeriod"/>
-            </a:pPr>
-            <a:r>
-              <a:rPr lang="en-US" b="1" dirty="0" smtClean="0"/>
-              <a:t>What is the current in this circuit?</a:t>
-            </a:r>
-          </a:p>
-          <a:p>
-            <a:pPr marL="544068" lvl="1" indent="-342900">
-              <a:buFont typeface="+mj-lt"/>
-              <a:buAutoNum type="arabicPeriod"/>
-            </a:pPr>
-            <a:r>
-              <a:rPr lang="en-US" b="1" dirty="0" smtClean="0"/>
-              <a:t>How many watts does the circuit use?</a:t>
-            </a:r>
-          </a:p>
-          <a:p>
-            <a:pPr marL="544068" lvl="1" indent="-342900">
-              <a:buFont typeface="+mj-lt"/>
-              <a:buAutoNum type="arabicPeriod"/>
-            </a:pPr>
-            <a:r>
-              <a:rPr lang="en-US" b="1" dirty="0" smtClean="0"/>
-              <a:t>Determine the voltage drop across each resistor (R1,R2,R3,R4)</a:t>
-            </a:r>
-          </a:p>
-          <a:p>
-            <a:pPr lvl="1">
-              <a:buFont typeface="Wingdings" panose="05000000000000000000" pitchFamily="2" charset="2"/>
-              <a:buChar char="§"/>
-            </a:pPr>
-            <a:endParaRPr lang="en-US" b="1" dirty="0"/>
-          </a:p>
-          <a:p>
-            <a:pPr lvl="1">
-              <a:buFont typeface="Wingdings" panose="05000000000000000000" pitchFamily="2" charset="2"/>
-              <a:buChar char="§"/>
-            </a:pPr>
-            <a:endParaRPr lang="en-US" b="1" dirty="0"/>
-          </a:p>
-        </p:txBody>
-      </p:sp>
-      <p:sp>
-        <p:nvSpPr>
-          <p:cNvPr id="3" name="Footer Placeholder 2"/>
+              <a:rPr lang="en-US" dirty="0">
+                <a:cs typeface="Arial" pitchFamily="34" charset="0"/>
+              </a:rPr>
+              <a:t> Calculate voltage across the circuit</a:t>
+            </a:r>
+          </a:p>
+        </p:txBody>
+      </p:sp>
+      <p:sp>
+        <p:nvSpPr>
+          <p:cNvPr id="4" name="Footer Placeholder 3">
+            <a:extLst>
+              <a:ext uri="{FF2B5EF4-FFF2-40B4-BE49-F238E27FC236}">
+                <a16:creationId xmlns:a16="http://schemas.microsoft.com/office/drawing/2014/main" id="{EADFB87E-2A3F-4815-8F5E-3CF3521EBF24}"/>
+              </a:ext>
+            </a:extLst>
+          </p:cNvPr>
           <p:cNvSpPr>
             <a:spLocks noGrp="1"/>
           </p:cNvSpPr>
@@ -8509,17 +7900,16 @@
           <a:lstStyle/>
           <a:p>
             <a:r>
-              <a:rPr lang="en-US" smtClean="0"/>
-              <a:t>Add a footer</a:t>
-            </a:r>
-            <a:endParaRPr lang="en-US" dirty="0"/>
+              <a:rPr lang="en-US" dirty="0"/>
+              <a:t>Unit 1 – Section 1 - Day 1</a:t>
+            </a:r>
           </a:p>
         </p:txBody>
       </p:sp>
     </p:spTree>
     <p:extLst>
       <p:ext uri="{BB962C8B-B14F-4D97-AF65-F5344CB8AC3E}">
-        <p14:creationId xmlns:p14="http://schemas.microsoft.com/office/powerpoint/2010/main" val="1351432529"/>
+        <p14:creationId xmlns:p14="http://schemas.microsoft.com/office/powerpoint/2010/main" val="78530218"/>
       </p:ext>
     </p:extLst>
   </p:cSld>
@@ -8563,7 +7953,7 @@
           <p:cNvPr id="2" name="Title 1">
             <a:extLst>
               <a:ext uri="{FF2B5EF4-FFF2-40B4-BE49-F238E27FC236}">
-                <a16:creationId xmlns:a16="http://schemas.microsoft.com/office/drawing/2014/main" xmlns="" id="{A9A59EAC-E562-4BC9-8C64-94279948AFFC}"/>
+                <a16:creationId xmlns:a16="http://schemas.microsoft.com/office/drawing/2014/main" id="{A9A59EAC-E562-4BC9-8C64-94279948AFFC}"/>
               </a:ext>
             </a:extLst>
           </p:cNvPr>
@@ -8591,7 +7981,7 @@
           <p:cNvPr id="3" name="Content Placeholder 2">
             <a:extLst>
               <a:ext uri="{FF2B5EF4-FFF2-40B4-BE49-F238E27FC236}">
-                <a16:creationId xmlns:a16="http://schemas.microsoft.com/office/drawing/2014/main" xmlns="" id="{72CB055A-E28B-4CFE-BB6B-F6FC961EE3B7}"/>
+                <a16:creationId xmlns:a16="http://schemas.microsoft.com/office/drawing/2014/main" id="{72CB055A-E28B-4CFE-BB6B-F6FC961EE3B7}"/>
               </a:ext>
             </a:extLst>
           </p:cNvPr>
@@ -8610,60 +8000,59 @@
           <a:lstStyle/>
           <a:p>
             <a:r>
-              <a:rPr lang="en-US" dirty="0" smtClean="0"/>
+              <a:rPr lang="en-US" dirty="0"/>
               <a:t>Closed loop</a:t>
             </a:r>
           </a:p>
           <a:p>
             <a:r>
-              <a:rPr lang="en-US" dirty="0" smtClean="0"/>
+              <a:rPr lang="en-US" dirty="0"/>
               <a:t>Junction</a:t>
             </a:r>
           </a:p>
           <a:p>
             <a:r>
-              <a:rPr lang="en-US" dirty="0" err="1" smtClean="0"/>
+              <a:rPr lang="en-US" dirty="0" err="1"/>
               <a:t>Kirchoffs</a:t>
             </a:r>
             <a:r>
-              <a:rPr lang="en-US" dirty="0" smtClean="0"/>
+              <a:rPr lang="en-US" dirty="0"/>
               <a:t>’ voltage law</a:t>
             </a:r>
           </a:p>
           <a:p>
             <a:r>
-              <a:rPr lang="en-US" dirty="0" smtClean="0"/>
+              <a:rPr lang="en-US" dirty="0"/>
               <a:t>Node</a:t>
             </a:r>
           </a:p>
           <a:p>
             <a:r>
-              <a:rPr lang="en-US" dirty="0" smtClean="0"/>
+              <a:rPr lang="en-US" dirty="0"/>
               <a:t>Open loop</a:t>
             </a:r>
           </a:p>
           <a:p>
             <a:r>
-              <a:rPr lang="en-US" dirty="0" smtClean="0"/>
+              <a:rPr lang="en-US" dirty="0"/>
               <a:t>Polarity</a:t>
             </a:r>
           </a:p>
           <a:p>
             <a:r>
-              <a:rPr lang="en-US" dirty="0" smtClean="0"/>
+              <a:rPr lang="en-US" dirty="0"/>
               <a:t>Series circuit</a:t>
             </a:r>
           </a:p>
           <a:p>
             <a:r>
-              <a:rPr lang="en-US" smtClean="0"/>
+              <a:rPr lang="en-US"/>
               <a:t>Voltage </a:t>
             </a:r>
             <a:r>
-              <a:rPr lang="en-US" dirty="0" smtClean="0"/>
+              <a:rPr lang="en-US" dirty="0"/>
               <a:t>drop</a:t>
             </a:r>
-            <a:endParaRPr lang="en-US" dirty="0"/>
           </a:p>
         </p:txBody>
       </p:sp>
@@ -8672,7 +8061,7 @@
           <p:cNvPr id="4" name="Footer Placeholder 3">
             <a:extLst>
               <a:ext uri="{FF2B5EF4-FFF2-40B4-BE49-F238E27FC236}">
-                <a16:creationId xmlns:a16="http://schemas.microsoft.com/office/drawing/2014/main" xmlns="" id="{8BF08373-69FD-4A8A-970C-9B614DF2131A}"/>
+                <a16:creationId xmlns:a16="http://schemas.microsoft.com/office/drawing/2014/main" id="{8BF08373-69FD-4A8A-970C-9B614DF2131A}"/>
               </a:ext>
             </a:extLst>
           </p:cNvPr>
@@ -8743,7 +8132,7 @@
           <p:cNvPr id="2" name="Title 1">
             <a:extLst>
               <a:ext uri="{FF2B5EF4-FFF2-40B4-BE49-F238E27FC236}">
-                <a16:creationId xmlns:a16="http://schemas.microsoft.com/office/drawing/2014/main" xmlns="" id="{BBFF0D00-89FD-4E98-BEB1-3C14257420EC}"/>
+                <a16:creationId xmlns:a16="http://schemas.microsoft.com/office/drawing/2014/main" id="{BBFF0D00-89FD-4E98-BEB1-3C14257420EC}"/>
               </a:ext>
             </a:extLst>
           </p:cNvPr>
@@ -8771,7 +8160,7 @@
           <p:cNvPr id="3" name="Content Placeholder 2">
             <a:extLst>
               <a:ext uri="{FF2B5EF4-FFF2-40B4-BE49-F238E27FC236}">
-                <a16:creationId xmlns:a16="http://schemas.microsoft.com/office/drawing/2014/main" xmlns="" id="{A7BA6B08-D3F4-43CD-81E4-5A5504F85073}"/>
+                <a16:creationId xmlns:a16="http://schemas.microsoft.com/office/drawing/2014/main" id="{A7BA6B08-D3F4-43CD-81E4-5A5504F85073}"/>
               </a:ext>
             </a:extLst>
           </p:cNvPr>
@@ -8847,7 +8236,7 @@
           <p:cNvPr id="4" name="Footer Placeholder 3">
             <a:extLst>
               <a:ext uri="{FF2B5EF4-FFF2-40B4-BE49-F238E27FC236}">
-                <a16:creationId xmlns:a16="http://schemas.microsoft.com/office/drawing/2014/main" xmlns="" id="{7C35F161-54A9-47C9-BB10-85BDF717D57D}"/>
+                <a16:creationId xmlns:a16="http://schemas.microsoft.com/office/drawing/2014/main" id="{7C35F161-54A9-47C9-BB10-85BDF717D57D}"/>
               </a:ext>
             </a:extLst>
           </p:cNvPr>
@@ -8893,13 +8282,6 @@
       </p:transition>
     </mc:Fallback>
   </mc:AlternateContent>
-  <p:timing>
-    <p:tnLst>
-      <p:par>
-        <p:cTn id="1" dur="indefinite" restart="never" nodeType="tmRoot"/>
-      </p:par>
-    </p:tnLst>
-  </p:timing>
 </p:sld>
 </file>
 
@@ -8925,7 +8307,7 @@
           <p:cNvPr id="3" name="Title 2">
             <a:extLst>
               <a:ext uri="{FF2B5EF4-FFF2-40B4-BE49-F238E27FC236}">
-                <a16:creationId xmlns:a16="http://schemas.microsoft.com/office/drawing/2014/main" xmlns="" id="{61FE92F8-77C6-424F-B54E-4C239A21B1F2}"/>
+                <a16:creationId xmlns:a16="http://schemas.microsoft.com/office/drawing/2014/main" id="{61FE92F8-77C6-424F-B54E-4C239A21B1F2}"/>
               </a:ext>
             </a:extLst>
           </p:cNvPr>
@@ -8942,10 +8324,9 @@
           <a:lstStyle/>
           <a:p>
             <a:r>
-              <a:rPr lang="en-US" dirty="0" smtClean="0"/>
+              <a:rPr lang="en-US" dirty="0"/>
               <a:t>The Series Circuit</a:t>
             </a:r>
-            <a:endParaRPr lang="en-US" dirty="0"/>
           </a:p>
         </p:txBody>
       </p:sp>
@@ -8954,7 +8335,7 @@
           <p:cNvPr id="4" name="Content Placeholder 3">
             <a:extLst>
               <a:ext uri="{FF2B5EF4-FFF2-40B4-BE49-F238E27FC236}">
-                <a16:creationId xmlns:a16="http://schemas.microsoft.com/office/drawing/2014/main" xmlns="" id="{9C3FE4B5-F3EC-4E7C-B5BC-DAD01C73B1D2}"/>
+                <a16:creationId xmlns:a16="http://schemas.microsoft.com/office/drawing/2014/main" id="{9C3FE4B5-F3EC-4E7C-B5BC-DAD01C73B1D2}"/>
               </a:ext>
             </a:extLst>
           </p:cNvPr>
@@ -8975,7 +8356,7 @@
               <a:buChar char="§"/>
             </a:pPr>
             <a:r>
-              <a:rPr lang="en-US" dirty="0" smtClean="0"/>
+              <a:rPr lang="en-US" dirty="0"/>
               <a:t> Is an electrical circuit that has only one path through which electrons can flow</a:t>
             </a:r>
           </a:p>
@@ -8998,7 +8379,7 @@
           <p:cNvPr id="2" name="Footer Placeholder 1">
             <a:extLst>
               <a:ext uri="{FF2B5EF4-FFF2-40B4-BE49-F238E27FC236}">
-                <a16:creationId xmlns:a16="http://schemas.microsoft.com/office/drawing/2014/main" xmlns="" id="{3169940A-D601-46D9-AC57-F80B8F8998B8}"/>
+                <a16:creationId xmlns:a16="http://schemas.microsoft.com/office/drawing/2014/main" id="{3169940A-D601-46D9-AC57-F80B8F8998B8}"/>
               </a:ext>
             </a:extLst>
           </p:cNvPr>
@@ -9027,7 +8408,7 @@
           <p:cNvPr id="5" name="Picture 2" descr="Image result for basic electric circuit">
             <a:extLst>
               <a:ext uri="{FF2B5EF4-FFF2-40B4-BE49-F238E27FC236}">
-                <a16:creationId xmlns:a16="http://schemas.microsoft.com/office/drawing/2014/main" xmlns="" id="{5DCD0330-E353-4368-AA46-9C22C9B79F83}"/>
+                <a16:creationId xmlns:a16="http://schemas.microsoft.com/office/drawing/2014/main" id="{5DCD0330-E353-4368-AA46-9C22C9B79F83}"/>
               </a:ext>
             </a:extLst>
           </p:cNvPr>
@@ -9091,13 +8472,6 @@
       </p:transition>
     </mc:Fallback>
   </mc:AlternateContent>
-  <p:timing>
-    <p:tnLst>
-      <p:par>
-        <p:cTn id="1" dur="indefinite" restart="never" nodeType="tmRoot"/>
-      </p:par>
-    </p:tnLst>
-  </p:timing>
 </p:sld>
 </file>
 
@@ -9134,10 +8508,9 @@
           <a:lstStyle/>
           <a:p>
             <a:r>
-              <a:rPr lang="en-US" dirty="0" smtClean="0"/>
+              <a:rPr lang="en-US" dirty="0"/>
               <a:t>Example 1</a:t>
             </a:r>
-            <a:endParaRPr lang="en-US" dirty="0"/>
           </a:p>
         </p:txBody>
       </p:sp>
@@ -9157,7 +8530,7 @@
           <a:lstStyle/>
           <a:p>
             <a:r>
-              <a:rPr lang="en-US" smtClean="0"/>
+              <a:rPr lang="en-US"/>
               <a:t>Add a footer</a:t>
             </a:r>
             <a:endParaRPr lang="en-US" dirty="0"/>
@@ -9265,10 +8638,9 @@
           <a:lstStyle/>
           <a:p>
             <a:r>
-              <a:rPr lang="en-US" dirty="0" smtClean="0"/>
+              <a:rPr lang="en-US" dirty="0"/>
               <a:t>Example 2</a:t>
             </a:r>
-            <a:endParaRPr lang="en-US" dirty="0"/>
           </a:p>
         </p:txBody>
       </p:sp>
@@ -9288,7 +8660,7 @@
           <a:lstStyle/>
           <a:p>
             <a:r>
-              <a:rPr lang="en-US" smtClean="0"/>
+              <a:rPr lang="en-US"/>
               <a:t>Add a footer</a:t>
             </a:r>
             <a:endParaRPr lang="en-US" dirty="0"/>
@@ -9394,10 +8766,9 @@
           <a:lstStyle/>
           <a:p>
             <a:r>
-              <a:rPr lang="en-US" dirty="0" smtClean="0"/>
+              <a:rPr lang="en-US" dirty="0"/>
               <a:t>Example 3</a:t>
             </a:r>
-            <a:endParaRPr lang="en-US" dirty="0"/>
           </a:p>
         </p:txBody>
       </p:sp>
@@ -9417,7 +8788,7 @@
           <a:lstStyle/>
           <a:p>
             <a:r>
-              <a:rPr lang="en-US" smtClean="0"/>
+              <a:rPr lang="en-US"/>
               <a:t>Add a footer</a:t>
             </a:r>
             <a:endParaRPr lang="en-US" dirty="0"/>
